--- a/Slides/Clase_4_2018.pptx
+++ b/Slides/Clase_4_2018.pptx
@@ -5,7 +5,7 @@
     <p:sldMasterId id="2147483657" r:id="rId1"/>
   </p:sldMasterIdLst>
   <p:notesMasterIdLst>
-    <p:notesMasterId r:id="rId45"/>
+    <p:notesMasterId r:id="rId46"/>
   </p:notesMasterIdLst>
   <p:sldIdLst>
     <p:sldId id="256" r:id="rId2"/>
@@ -18,63 +18,64 @@
     <p:sldId id="382" r:id="rId9"/>
     <p:sldId id="348" r:id="rId10"/>
     <p:sldId id="403" r:id="rId11"/>
-    <p:sldId id="387" r:id="rId12"/>
-    <p:sldId id="388" r:id="rId13"/>
-    <p:sldId id="389" r:id="rId14"/>
-    <p:sldId id="390" r:id="rId15"/>
-    <p:sldId id="391" r:id="rId16"/>
-    <p:sldId id="392" r:id="rId17"/>
-    <p:sldId id="393" r:id="rId18"/>
-    <p:sldId id="394" r:id="rId19"/>
-    <p:sldId id="385" r:id="rId20"/>
-    <p:sldId id="386" r:id="rId21"/>
-    <p:sldId id="395" r:id="rId22"/>
-    <p:sldId id="396" r:id="rId23"/>
-    <p:sldId id="384" r:id="rId24"/>
-    <p:sldId id="398" r:id="rId25"/>
-    <p:sldId id="399" r:id="rId26"/>
-    <p:sldId id="400" r:id="rId27"/>
-    <p:sldId id="401" r:id="rId28"/>
-    <p:sldId id="402" r:id="rId29"/>
-    <p:sldId id="404" r:id="rId30"/>
-    <p:sldId id="405" r:id="rId31"/>
-    <p:sldId id="407" r:id="rId32"/>
-    <p:sldId id="408" r:id="rId33"/>
-    <p:sldId id="409" r:id="rId34"/>
-    <p:sldId id="410" r:id="rId35"/>
-    <p:sldId id="412" r:id="rId36"/>
-    <p:sldId id="413" r:id="rId37"/>
-    <p:sldId id="414" r:id="rId38"/>
-    <p:sldId id="420" r:id="rId39"/>
-    <p:sldId id="416" r:id="rId40"/>
-    <p:sldId id="417" r:id="rId41"/>
-    <p:sldId id="418" r:id="rId42"/>
-    <p:sldId id="419" r:id="rId43"/>
-    <p:sldId id="371" r:id="rId44"/>
+    <p:sldId id="421" r:id="rId12"/>
+    <p:sldId id="387" r:id="rId13"/>
+    <p:sldId id="388" r:id="rId14"/>
+    <p:sldId id="389" r:id="rId15"/>
+    <p:sldId id="390" r:id="rId16"/>
+    <p:sldId id="391" r:id="rId17"/>
+    <p:sldId id="392" r:id="rId18"/>
+    <p:sldId id="393" r:id="rId19"/>
+    <p:sldId id="394" r:id="rId20"/>
+    <p:sldId id="385" r:id="rId21"/>
+    <p:sldId id="386" r:id="rId22"/>
+    <p:sldId id="395" r:id="rId23"/>
+    <p:sldId id="396" r:id="rId24"/>
+    <p:sldId id="384" r:id="rId25"/>
+    <p:sldId id="398" r:id="rId26"/>
+    <p:sldId id="399" r:id="rId27"/>
+    <p:sldId id="400" r:id="rId28"/>
+    <p:sldId id="401" r:id="rId29"/>
+    <p:sldId id="402" r:id="rId30"/>
+    <p:sldId id="404" r:id="rId31"/>
+    <p:sldId id="405" r:id="rId32"/>
+    <p:sldId id="407" r:id="rId33"/>
+    <p:sldId id="408" r:id="rId34"/>
+    <p:sldId id="409" r:id="rId35"/>
+    <p:sldId id="410" r:id="rId36"/>
+    <p:sldId id="412" r:id="rId37"/>
+    <p:sldId id="413" r:id="rId38"/>
+    <p:sldId id="414" r:id="rId39"/>
+    <p:sldId id="420" r:id="rId40"/>
+    <p:sldId id="416" r:id="rId41"/>
+    <p:sldId id="417" r:id="rId42"/>
+    <p:sldId id="418" r:id="rId43"/>
+    <p:sldId id="419" r:id="rId44"/>
+    <p:sldId id="371" r:id="rId45"/>
   </p:sldIdLst>
   <p:sldSz cx="9144000" cy="5143500" type="screen16x9"/>
   <p:notesSz cx="6858000" cy="9144000"/>
   <p:embeddedFontLst>
     <p:embeddedFont>
+      <p:font typeface="Roboto Condensed Light" panose="020B0604020202020204" charset="0"/>
+      <p:regular r:id="rId47"/>
+      <p:bold r:id="rId48"/>
+      <p:italic r:id="rId49"/>
+      <p:boldItalic r:id="rId50"/>
+    </p:embeddedFont>
+    <p:embeddedFont>
       <p:font typeface="Arvo" panose="020B0604020202020204" charset="0"/>
-      <p:regular r:id="rId46"/>
-      <p:bold r:id="rId47"/>
-      <p:italic r:id="rId48"/>
-      <p:boldItalic r:id="rId49"/>
+      <p:regular r:id="rId51"/>
+      <p:bold r:id="rId52"/>
+      <p:italic r:id="rId53"/>
+      <p:boldItalic r:id="rId54"/>
     </p:embeddedFont>
     <p:embeddedFont>
       <p:font typeface="Roboto Condensed" panose="020B0604020202020204" charset="0"/>
-      <p:regular r:id="rId50"/>
-      <p:bold r:id="rId51"/>
-      <p:italic r:id="rId52"/>
-      <p:boldItalic r:id="rId53"/>
-    </p:embeddedFont>
-    <p:embeddedFont>
-      <p:font typeface="Roboto Condensed Light" panose="020B0604020202020204" charset="0"/>
-      <p:regular r:id="rId54"/>
-      <p:bold r:id="rId55"/>
-      <p:italic r:id="rId56"/>
-      <p:boldItalic r:id="rId57"/>
+      <p:regular r:id="rId55"/>
+      <p:bold r:id="rId56"/>
+      <p:italic r:id="rId57"/>
+      <p:boldItalic r:id="rId58"/>
     </p:embeddedFont>
   </p:embeddedFontLst>
   <p:defaultTextStyle>
@@ -6070,6 +6071,107 @@
       </p:grpSpPr>
       <p:sp>
         <p:nvSpPr>
+          <p:cNvPr id="2" name="Marcador de número de diapositiva 1"/>
+          <p:cNvSpPr>
+            <a:spLocks noGrp="1"/>
+          </p:cNvSpPr>
+          <p:nvPr>
+            <p:ph type="sldNum" idx="12"/>
+          </p:nvPr>
+        </p:nvSpPr>
+        <p:spPr/>
+        <p:txBody>
+          <a:bodyPr/>
+          <a:lstStyle/>
+          <a:p>
+            <a:pPr marL="0" lvl="0" indent="0">
+              <a:spcBef>
+                <a:spcPts val="0"/>
+              </a:spcBef>
+              <a:spcAft>
+                <a:spcPts val="0"/>
+              </a:spcAft>
+              <a:buNone/>
+            </a:pPr>
+            <a:fld id="{00000000-1234-1234-1234-123412341234}" type="slidenum">
+              <a:rPr lang="es-MX" smtClean="0"/>
+              <a:t>11</a:t>
+            </a:fld>
+            <a:endParaRPr lang="es-MX"/>
+          </a:p>
+        </p:txBody>
+      </p:sp>
+      <p:pic>
+        <p:nvPicPr>
+          <p:cNvPr id="1026" name="Picture 2" descr="Image result for SHIGERU MIYAMOTO BAD GAME"/>
+          <p:cNvPicPr>
+            <a:picLocks noChangeAspect="1" noChangeArrowheads="1"/>
+          </p:cNvPicPr>
+          <p:nvPr/>
+        </p:nvPicPr>
+        <p:blipFill rotWithShape="1">
+          <a:blip r:embed="rId2">
+            <a:extLst>
+              <a:ext uri="{28A0092B-C50C-407E-A947-70E740481C1C}">
+                <a14:useLocalDpi xmlns:a14="http://schemas.microsoft.com/office/drawing/2010/main" val="0"/>
+              </a:ext>
+            </a:extLst>
+          </a:blip>
+          <a:srcRect b="15160"/>
+          <a:stretch/>
+        </p:blipFill>
+        <p:spPr bwMode="auto">
+          <a:xfrm>
+            <a:off x="2200133" y="1370316"/>
+            <a:ext cx="4762500" cy="2626331"/>
+          </a:xfrm>
+          <a:prstGeom prst="rect">
+            <a:avLst/>
+          </a:prstGeom>
+          <a:noFill/>
+          <a:extLst>
+            <a:ext uri="{909E8E84-426E-40DD-AFC4-6F175D3DCCD1}">
+              <a14:hiddenFill xmlns:a14="http://schemas.microsoft.com/office/drawing/2010/main">
+                <a:solidFill>
+                  <a:srgbClr val="FFFFFF"/>
+                </a:solidFill>
+              </a14:hiddenFill>
+            </a:ext>
+          </a:extLst>
+        </p:spPr>
+      </p:pic>
+    </p:spTree>
+    <p:extLst>
+      <p:ext uri="{BB962C8B-B14F-4D97-AF65-F5344CB8AC3E}">
+        <p14:creationId xmlns:p14="http://schemas.microsoft.com/office/powerpoint/2010/main" val="1243708280"/>
+      </p:ext>
+    </p:extLst>
+  </p:cSld>
+  <p:clrMapOvr>
+    <a:masterClrMapping/>
+  </p:clrMapOvr>
+</p:sld>
+</file>
+
+<file path=ppt/slides/slide12.xml><?xml version="1.0" encoding="utf-8"?>
+<p:sld xmlns:a="http://schemas.openxmlformats.org/drawingml/2006/main" xmlns:r="http://schemas.openxmlformats.org/officeDocument/2006/relationships" xmlns:p="http://schemas.openxmlformats.org/presentationml/2006/main">
+  <p:cSld>
+    <p:spTree>
+      <p:nvGrpSpPr>
+        <p:cNvPr id="1" name=""/>
+        <p:cNvGrpSpPr/>
+        <p:nvPr/>
+      </p:nvGrpSpPr>
+      <p:grpSpPr>
+        <a:xfrm>
+          <a:off x="0" y="0"/>
+          <a:ext cx="0" cy="0"/>
+          <a:chOff x="0" y="0"/>
+          <a:chExt cx="0" cy="0"/>
+        </a:xfrm>
+      </p:grpSpPr>
+      <p:sp>
+        <p:nvSpPr>
           <p:cNvPr id="4" name="Marcador de número de diapositiva 3"/>
           <p:cNvSpPr>
             <a:spLocks noGrp="1"/>
@@ -6094,7 +6196,7 @@
             </a:pPr>
             <a:fld id="{00000000-1234-1234-1234-123412341234}" type="slidenum">
               <a:rPr lang="es-MX" smtClean="0"/>
-              <a:t>11</a:t>
+              <a:t>12</a:t>
             </a:fld>
             <a:endParaRPr lang="es-MX"/>
           </a:p>
@@ -6154,7 +6256,7 @@
 </p:sld>
 </file>
 
-<file path=ppt/slides/slide12.xml><?xml version="1.0" encoding="utf-8"?>
+<file path=ppt/slides/slide13.xml><?xml version="1.0" encoding="utf-8"?>
 <p:sld xmlns:a="http://schemas.openxmlformats.org/drawingml/2006/main" xmlns:r="http://schemas.openxmlformats.org/officeDocument/2006/relationships" xmlns:p="http://schemas.openxmlformats.org/presentationml/2006/main">
   <p:cSld>
     <p:spTree>
@@ -6197,7 +6299,7 @@
             </a:pPr>
             <a:fld id="{00000000-1234-1234-1234-123412341234}" type="slidenum">
               <a:rPr lang="es-MX" smtClean="0"/>
-              <a:t>12</a:t>
+              <a:t>13</a:t>
             </a:fld>
             <a:endParaRPr lang="es-MX"/>
           </a:p>
@@ -6257,7 +6359,7 @@
 </p:sld>
 </file>
 
-<file path=ppt/slides/slide13.xml><?xml version="1.0" encoding="utf-8"?>
+<file path=ppt/slides/slide14.xml><?xml version="1.0" encoding="utf-8"?>
 <p:sld xmlns:a="http://schemas.openxmlformats.org/drawingml/2006/main" xmlns:r="http://schemas.openxmlformats.org/officeDocument/2006/relationships" xmlns:p="http://schemas.openxmlformats.org/presentationml/2006/main">
   <p:cSld>
     <p:spTree>
@@ -6300,7 +6402,7 @@
             </a:pPr>
             <a:fld id="{00000000-1234-1234-1234-123412341234}" type="slidenum">
               <a:rPr lang="es-MX" smtClean="0"/>
-              <a:t>13</a:t>
+              <a:t>14</a:t>
             </a:fld>
             <a:endParaRPr lang="es-MX"/>
           </a:p>
@@ -6360,7 +6462,7 @@
 </p:sld>
 </file>
 
-<file path=ppt/slides/slide14.xml><?xml version="1.0" encoding="utf-8"?>
+<file path=ppt/slides/slide15.xml><?xml version="1.0" encoding="utf-8"?>
 <p:sld xmlns:a="http://schemas.openxmlformats.org/drawingml/2006/main" xmlns:r="http://schemas.openxmlformats.org/officeDocument/2006/relationships" xmlns:p="http://schemas.openxmlformats.org/presentationml/2006/main">
   <p:cSld>
     <p:spTree>
@@ -6403,7 +6505,7 @@
             </a:pPr>
             <a:fld id="{00000000-1234-1234-1234-123412341234}" type="slidenum">
               <a:rPr lang="es-MX" smtClean="0"/>
-              <a:t>14</a:t>
+              <a:t>15</a:t>
             </a:fld>
             <a:endParaRPr lang="es-MX"/>
           </a:p>
@@ -6463,7 +6565,7 @@
 </p:sld>
 </file>
 
-<file path=ppt/slides/slide15.xml><?xml version="1.0" encoding="utf-8"?>
+<file path=ppt/slides/slide16.xml><?xml version="1.0" encoding="utf-8"?>
 <p:sld xmlns:a="http://schemas.openxmlformats.org/drawingml/2006/main" xmlns:r="http://schemas.openxmlformats.org/officeDocument/2006/relationships" xmlns:p="http://schemas.openxmlformats.org/presentationml/2006/main">
   <p:cSld>
     <p:spTree>
@@ -6506,7 +6608,7 @@
             </a:pPr>
             <a:fld id="{00000000-1234-1234-1234-123412341234}" type="slidenum">
               <a:rPr lang="es-MX" smtClean="0"/>
-              <a:t>15</a:t>
+              <a:t>16</a:t>
             </a:fld>
             <a:endParaRPr lang="es-MX"/>
           </a:p>
@@ -6566,7 +6668,7 @@
 </p:sld>
 </file>
 
-<file path=ppt/slides/slide16.xml><?xml version="1.0" encoding="utf-8"?>
+<file path=ppt/slides/slide17.xml><?xml version="1.0" encoding="utf-8"?>
 <p:sld xmlns:a="http://schemas.openxmlformats.org/drawingml/2006/main" xmlns:r="http://schemas.openxmlformats.org/officeDocument/2006/relationships" xmlns:p="http://schemas.openxmlformats.org/presentationml/2006/main">
   <p:cSld>
     <p:spTree>
@@ -6609,7 +6711,7 @@
             </a:pPr>
             <a:fld id="{00000000-1234-1234-1234-123412341234}" type="slidenum">
               <a:rPr lang="es-MX" smtClean="0"/>
-              <a:t>16</a:t>
+              <a:t>17</a:t>
             </a:fld>
             <a:endParaRPr lang="es-MX"/>
           </a:p>
@@ -6669,7 +6771,7 @@
 </p:sld>
 </file>
 
-<file path=ppt/slides/slide17.xml><?xml version="1.0" encoding="utf-8"?>
+<file path=ppt/slides/slide18.xml><?xml version="1.0" encoding="utf-8"?>
 <p:sld xmlns:a="http://schemas.openxmlformats.org/drawingml/2006/main" xmlns:r="http://schemas.openxmlformats.org/officeDocument/2006/relationships" xmlns:p="http://schemas.openxmlformats.org/presentationml/2006/main">
   <p:cSld>
     <p:spTree>
@@ -6712,7 +6814,7 @@
             </a:pPr>
             <a:fld id="{00000000-1234-1234-1234-123412341234}" type="slidenum">
               <a:rPr lang="es-MX" smtClean="0"/>
-              <a:t>17</a:t>
+              <a:t>18</a:t>
             </a:fld>
             <a:endParaRPr lang="es-MX"/>
           </a:p>
@@ -6772,7 +6874,7 @@
 </p:sld>
 </file>
 
-<file path=ppt/slides/slide18.xml><?xml version="1.0" encoding="utf-8"?>
+<file path=ppt/slides/slide19.xml><?xml version="1.0" encoding="utf-8"?>
 <p:sld xmlns:a="http://schemas.openxmlformats.org/drawingml/2006/main" xmlns:r="http://schemas.openxmlformats.org/officeDocument/2006/relationships" xmlns:p="http://schemas.openxmlformats.org/presentationml/2006/main">
   <p:cSld>
     <p:spTree>
@@ -6815,7 +6917,7 @@
             </a:pPr>
             <a:fld id="{00000000-1234-1234-1234-123412341234}" type="slidenum">
               <a:rPr lang="es-MX" smtClean="0"/>
-              <a:t>18</a:t>
+              <a:t>19</a:t>
             </a:fld>
             <a:endParaRPr lang="es-MX"/>
           </a:p>
@@ -6947,7 +7049,228 @@
 </p:sld>
 </file>
 
-<file path=ppt/slides/slide19.xml><?xml version="1.0" encoding="utf-8"?>
+<file path=ppt/slides/slide2.xml><?xml version="1.0" encoding="utf-8"?>
+<p:sld xmlns:a="http://schemas.openxmlformats.org/drawingml/2006/main" xmlns:r="http://schemas.openxmlformats.org/officeDocument/2006/relationships" xmlns:p="http://schemas.openxmlformats.org/presentationml/2006/main">
+  <p:cSld>
+    <p:spTree>
+      <p:nvGrpSpPr>
+        <p:cNvPr id="1" name="Shape 220"/>
+        <p:cNvGrpSpPr/>
+        <p:nvPr/>
+      </p:nvGrpSpPr>
+      <p:grpSpPr>
+        <a:xfrm>
+          <a:off x="0" y="0"/>
+          <a:ext cx="0" cy="0"/>
+          <a:chOff x="0" y="0"/>
+          <a:chExt cx="0" cy="0"/>
+        </a:xfrm>
+      </p:grpSpPr>
+      <p:sp>
+        <p:nvSpPr>
+          <p:cNvPr id="221" name="Google Shape;221;p14"/>
+          <p:cNvSpPr txBox="1">
+            <a:spLocks noGrp="1"/>
+          </p:cNvSpPr>
+          <p:nvPr>
+            <p:ph type="ctrTitle"/>
+          </p:nvPr>
+        </p:nvSpPr>
+        <p:spPr>
+          <a:xfrm>
+            <a:off x="463525" y="2871148"/>
+            <a:ext cx="4094400" cy="1159800"/>
+          </a:xfrm>
+          <a:prstGeom prst="rect">
+            <a:avLst/>
+          </a:prstGeom>
+        </p:spPr>
+        <p:txBody>
+          <a:bodyPr spcFirstLastPara="1" wrap="square" lIns="91425" tIns="91425" rIns="91425" bIns="91425" anchor="b" anchorCtr="0">
+            <a:noAutofit/>
+          </a:bodyPr>
+          <a:lstStyle/>
+          <a:p>
+            <a:pPr marL="0" lvl="0" indent="0" rtl="0">
+              <a:spcBef>
+                <a:spcPts val="0"/>
+              </a:spcBef>
+              <a:spcAft>
+                <a:spcPts val="0"/>
+              </a:spcAft>
+              <a:buNone/>
+            </a:pPr>
+            <a:r>
+              <a:rPr lang="es-MX" dirty="0" smtClean="0"/>
+              <a:t>Que se vio la clase pasada</a:t>
+            </a:r>
+            <a:endParaRPr lang="es-MX" dirty="0"/>
+          </a:p>
+        </p:txBody>
+      </p:sp>
+      <p:sp>
+        <p:nvSpPr>
+          <p:cNvPr id="222" name="Google Shape;222;p14"/>
+          <p:cNvSpPr txBox="1">
+            <a:spLocks noGrp="1"/>
+          </p:cNvSpPr>
+          <p:nvPr>
+            <p:ph type="subTitle" idx="1"/>
+          </p:nvPr>
+        </p:nvSpPr>
+        <p:spPr>
+          <a:xfrm>
+            <a:off x="463525" y="3975449"/>
+            <a:ext cx="4094400" cy="784800"/>
+          </a:xfrm>
+          <a:prstGeom prst="rect">
+            <a:avLst/>
+          </a:prstGeom>
+        </p:spPr>
+        <p:txBody>
+          <a:bodyPr spcFirstLastPara="1" wrap="square" lIns="91425" tIns="91425" rIns="91425" bIns="91425" anchor="t" anchorCtr="0">
+            <a:noAutofit/>
+          </a:bodyPr>
+          <a:lstStyle/>
+          <a:p>
+            <a:pPr marL="0" lvl="0" indent="0" rtl="0">
+              <a:spcBef>
+                <a:spcPts val="0"/>
+              </a:spcBef>
+              <a:spcAft>
+                <a:spcPts val="1000"/>
+              </a:spcAft>
+              <a:buNone/>
+            </a:pPr>
+            <a:r>
+              <a:rPr lang="es-MX" dirty="0" smtClean="0"/>
+              <a:t>Recordar es vivir!</a:t>
+            </a:r>
+            <a:endParaRPr lang="es-MX" dirty="0"/>
+          </a:p>
+        </p:txBody>
+      </p:sp>
+      <p:sp>
+        <p:nvSpPr>
+          <p:cNvPr id="223" name="Google Shape;223;p14"/>
+          <p:cNvSpPr txBox="1">
+            <a:spLocks noGrp="1"/>
+          </p:cNvSpPr>
+          <p:nvPr>
+            <p:ph type="sldNum" idx="12"/>
+          </p:nvPr>
+        </p:nvSpPr>
+        <p:spPr>
+          <a:xfrm>
+            <a:off x="7618000" y="4636500"/>
+            <a:ext cx="1487400" cy="315600"/>
+          </a:xfrm>
+          <a:prstGeom prst="rect">
+            <a:avLst/>
+          </a:prstGeom>
+        </p:spPr>
+        <p:txBody>
+          <a:bodyPr spcFirstLastPara="1" wrap="square" lIns="91425" tIns="91425" rIns="91425" bIns="91425" anchor="ctr" anchorCtr="0">
+            <a:noAutofit/>
+          </a:bodyPr>
+          <a:lstStyle/>
+          <a:p>
+            <a:pPr marL="0" lvl="0" indent="0">
+              <a:spcBef>
+                <a:spcPts val="0"/>
+              </a:spcBef>
+              <a:spcAft>
+                <a:spcPts val="0"/>
+              </a:spcAft>
+              <a:buNone/>
+            </a:pPr>
+            <a:fld id="{00000000-1234-1234-1234-123412341234}" type="slidenum">
+              <a:rPr lang="en"/>
+              <a:t>2</a:t>
+            </a:fld>
+            <a:endParaRPr/>
+          </a:p>
+        </p:txBody>
+      </p:sp>
+      <p:sp>
+        <p:nvSpPr>
+          <p:cNvPr id="224" name="Google Shape;224;p14"/>
+          <p:cNvSpPr txBox="1"/>
+          <p:nvPr/>
+        </p:nvSpPr>
+        <p:spPr>
+          <a:xfrm>
+            <a:off x="463525" y="0"/>
+            <a:ext cx="2181600" cy="3136200"/>
+          </a:xfrm>
+          <a:prstGeom prst="rect">
+            <a:avLst/>
+          </a:prstGeom>
+          <a:noFill/>
+          <a:ln>
+            <a:noFill/>
+          </a:ln>
+        </p:spPr>
+        <p:txBody>
+          <a:bodyPr spcFirstLastPara="1" wrap="square" lIns="91425" tIns="91425" rIns="91425" bIns="91425" anchor="b" anchorCtr="0">
+            <a:noAutofit/>
+          </a:bodyPr>
+          <a:lstStyle/>
+          <a:p>
+            <a:pPr marL="0" lvl="0" indent="0">
+              <a:spcBef>
+                <a:spcPts val="0"/>
+              </a:spcBef>
+              <a:spcAft>
+                <a:spcPts val="0"/>
+              </a:spcAft>
+              <a:buNone/>
+            </a:pPr>
+            <a:r>
+              <a:rPr lang="en" sz="12000" b="1" dirty="0">
+                <a:solidFill>
+                  <a:srgbClr val="3F5378"/>
+                </a:solidFill>
+                <a:latin typeface="Roboto Condensed"/>
+                <a:ea typeface="Roboto Condensed"/>
+                <a:cs typeface="Roboto Condensed"/>
+                <a:sym typeface="Roboto Condensed"/>
+              </a:rPr>
+              <a:t>1</a:t>
+            </a:r>
+            <a:endParaRPr sz="3000" b="1" dirty="0">
+              <a:solidFill>
+                <a:srgbClr val="3F5378"/>
+              </a:solidFill>
+              <a:latin typeface="Roboto Condensed"/>
+              <a:ea typeface="Roboto Condensed"/>
+              <a:cs typeface="Roboto Condensed"/>
+              <a:sym typeface="Roboto Condensed"/>
+            </a:endParaRPr>
+          </a:p>
+        </p:txBody>
+      </p:sp>
+    </p:spTree>
+    <p:extLst>
+      <p:ext uri="{BB962C8B-B14F-4D97-AF65-F5344CB8AC3E}">
+        <p14:creationId xmlns:p14="http://schemas.microsoft.com/office/powerpoint/2010/main" val="124962582"/>
+      </p:ext>
+    </p:extLst>
+  </p:cSld>
+  <p:clrMapOvr>
+    <a:masterClrMapping/>
+  </p:clrMapOvr>
+  <p:timing>
+    <p:tnLst>
+      <p:par>
+        <p:cTn id="1" dur="indefinite" restart="never" nodeType="tmRoot"/>
+      </p:par>
+    </p:tnLst>
+  </p:timing>
+</p:sld>
+</file>
+
+<file path=ppt/slides/slide20.xml><?xml version="1.0" encoding="utf-8"?>
 <p:sld xmlns:a="http://schemas.openxmlformats.org/drawingml/2006/main" xmlns:r="http://schemas.openxmlformats.org/officeDocument/2006/relationships" xmlns:p="http://schemas.openxmlformats.org/presentationml/2006/main">
   <p:cSld>
     <p:spTree>
@@ -7105,7 +7428,7 @@
             </a:pPr>
             <a:fld id="{00000000-1234-1234-1234-123412341234}" type="slidenum">
               <a:rPr lang="es-MX" smtClean="0"/>
-              <a:t>19</a:t>
+              <a:t>20</a:t>
             </a:fld>
             <a:endParaRPr lang="es-MX"/>
           </a:p>
@@ -7124,228 +7447,7 @@
 </p:sld>
 </file>
 
-<file path=ppt/slides/slide2.xml><?xml version="1.0" encoding="utf-8"?>
-<p:sld xmlns:a="http://schemas.openxmlformats.org/drawingml/2006/main" xmlns:r="http://schemas.openxmlformats.org/officeDocument/2006/relationships" xmlns:p="http://schemas.openxmlformats.org/presentationml/2006/main">
-  <p:cSld>
-    <p:spTree>
-      <p:nvGrpSpPr>
-        <p:cNvPr id="1" name="Shape 220"/>
-        <p:cNvGrpSpPr/>
-        <p:nvPr/>
-      </p:nvGrpSpPr>
-      <p:grpSpPr>
-        <a:xfrm>
-          <a:off x="0" y="0"/>
-          <a:ext cx="0" cy="0"/>
-          <a:chOff x="0" y="0"/>
-          <a:chExt cx="0" cy="0"/>
-        </a:xfrm>
-      </p:grpSpPr>
-      <p:sp>
-        <p:nvSpPr>
-          <p:cNvPr id="221" name="Google Shape;221;p14"/>
-          <p:cNvSpPr txBox="1">
-            <a:spLocks noGrp="1"/>
-          </p:cNvSpPr>
-          <p:nvPr>
-            <p:ph type="ctrTitle"/>
-          </p:nvPr>
-        </p:nvSpPr>
-        <p:spPr>
-          <a:xfrm>
-            <a:off x="463525" y="2871148"/>
-            <a:ext cx="4094400" cy="1159800"/>
-          </a:xfrm>
-          <a:prstGeom prst="rect">
-            <a:avLst/>
-          </a:prstGeom>
-        </p:spPr>
-        <p:txBody>
-          <a:bodyPr spcFirstLastPara="1" wrap="square" lIns="91425" tIns="91425" rIns="91425" bIns="91425" anchor="b" anchorCtr="0">
-            <a:noAutofit/>
-          </a:bodyPr>
-          <a:lstStyle/>
-          <a:p>
-            <a:pPr marL="0" lvl="0" indent="0" rtl="0">
-              <a:spcBef>
-                <a:spcPts val="0"/>
-              </a:spcBef>
-              <a:spcAft>
-                <a:spcPts val="0"/>
-              </a:spcAft>
-              <a:buNone/>
-            </a:pPr>
-            <a:r>
-              <a:rPr lang="es-MX" dirty="0" smtClean="0"/>
-              <a:t>Que se vio la clase pasada</a:t>
-            </a:r>
-            <a:endParaRPr lang="es-MX" dirty="0"/>
-          </a:p>
-        </p:txBody>
-      </p:sp>
-      <p:sp>
-        <p:nvSpPr>
-          <p:cNvPr id="222" name="Google Shape;222;p14"/>
-          <p:cNvSpPr txBox="1">
-            <a:spLocks noGrp="1"/>
-          </p:cNvSpPr>
-          <p:nvPr>
-            <p:ph type="subTitle" idx="1"/>
-          </p:nvPr>
-        </p:nvSpPr>
-        <p:spPr>
-          <a:xfrm>
-            <a:off x="463525" y="3975449"/>
-            <a:ext cx="4094400" cy="784800"/>
-          </a:xfrm>
-          <a:prstGeom prst="rect">
-            <a:avLst/>
-          </a:prstGeom>
-        </p:spPr>
-        <p:txBody>
-          <a:bodyPr spcFirstLastPara="1" wrap="square" lIns="91425" tIns="91425" rIns="91425" bIns="91425" anchor="t" anchorCtr="0">
-            <a:noAutofit/>
-          </a:bodyPr>
-          <a:lstStyle/>
-          <a:p>
-            <a:pPr marL="0" lvl="0" indent="0" rtl="0">
-              <a:spcBef>
-                <a:spcPts val="0"/>
-              </a:spcBef>
-              <a:spcAft>
-                <a:spcPts val="1000"/>
-              </a:spcAft>
-              <a:buNone/>
-            </a:pPr>
-            <a:r>
-              <a:rPr lang="es-MX" dirty="0" smtClean="0"/>
-              <a:t>Recordar es vivir!</a:t>
-            </a:r>
-            <a:endParaRPr lang="es-MX" dirty="0"/>
-          </a:p>
-        </p:txBody>
-      </p:sp>
-      <p:sp>
-        <p:nvSpPr>
-          <p:cNvPr id="223" name="Google Shape;223;p14"/>
-          <p:cNvSpPr txBox="1">
-            <a:spLocks noGrp="1"/>
-          </p:cNvSpPr>
-          <p:nvPr>
-            <p:ph type="sldNum" idx="12"/>
-          </p:nvPr>
-        </p:nvSpPr>
-        <p:spPr>
-          <a:xfrm>
-            <a:off x="7618000" y="4636500"/>
-            <a:ext cx="1487400" cy="315600"/>
-          </a:xfrm>
-          <a:prstGeom prst="rect">
-            <a:avLst/>
-          </a:prstGeom>
-        </p:spPr>
-        <p:txBody>
-          <a:bodyPr spcFirstLastPara="1" wrap="square" lIns="91425" tIns="91425" rIns="91425" bIns="91425" anchor="ctr" anchorCtr="0">
-            <a:noAutofit/>
-          </a:bodyPr>
-          <a:lstStyle/>
-          <a:p>
-            <a:pPr marL="0" lvl="0" indent="0">
-              <a:spcBef>
-                <a:spcPts val="0"/>
-              </a:spcBef>
-              <a:spcAft>
-                <a:spcPts val="0"/>
-              </a:spcAft>
-              <a:buNone/>
-            </a:pPr>
-            <a:fld id="{00000000-1234-1234-1234-123412341234}" type="slidenum">
-              <a:rPr lang="en"/>
-              <a:t>2</a:t>
-            </a:fld>
-            <a:endParaRPr/>
-          </a:p>
-        </p:txBody>
-      </p:sp>
-      <p:sp>
-        <p:nvSpPr>
-          <p:cNvPr id="224" name="Google Shape;224;p14"/>
-          <p:cNvSpPr txBox="1"/>
-          <p:nvPr/>
-        </p:nvSpPr>
-        <p:spPr>
-          <a:xfrm>
-            <a:off x="463525" y="0"/>
-            <a:ext cx="2181600" cy="3136200"/>
-          </a:xfrm>
-          <a:prstGeom prst="rect">
-            <a:avLst/>
-          </a:prstGeom>
-          <a:noFill/>
-          <a:ln>
-            <a:noFill/>
-          </a:ln>
-        </p:spPr>
-        <p:txBody>
-          <a:bodyPr spcFirstLastPara="1" wrap="square" lIns="91425" tIns="91425" rIns="91425" bIns="91425" anchor="b" anchorCtr="0">
-            <a:noAutofit/>
-          </a:bodyPr>
-          <a:lstStyle/>
-          <a:p>
-            <a:pPr marL="0" lvl="0" indent="0">
-              <a:spcBef>
-                <a:spcPts val="0"/>
-              </a:spcBef>
-              <a:spcAft>
-                <a:spcPts val="0"/>
-              </a:spcAft>
-              <a:buNone/>
-            </a:pPr>
-            <a:r>
-              <a:rPr lang="en" sz="12000" b="1" dirty="0">
-                <a:solidFill>
-                  <a:srgbClr val="3F5378"/>
-                </a:solidFill>
-                <a:latin typeface="Roboto Condensed"/>
-                <a:ea typeface="Roboto Condensed"/>
-                <a:cs typeface="Roboto Condensed"/>
-                <a:sym typeface="Roboto Condensed"/>
-              </a:rPr>
-              <a:t>1</a:t>
-            </a:r>
-            <a:endParaRPr sz="3000" b="1" dirty="0">
-              <a:solidFill>
-                <a:srgbClr val="3F5378"/>
-              </a:solidFill>
-              <a:latin typeface="Roboto Condensed"/>
-              <a:ea typeface="Roboto Condensed"/>
-              <a:cs typeface="Roboto Condensed"/>
-              <a:sym typeface="Roboto Condensed"/>
-            </a:endParaRPr>
-          </a:p>
-        </p:txBody>
-      </p:sp>
-    </p:spTree>
-    <p:extLst>
-      <p:ext uri="{BB962C8B-B14F-4D97-AF65-F5344CB8AC3E}">
-        <p14:creationId xmlns:p14="http://schemas.microsoft.com/office/powerpoint/2010/main" val="124962582"/>
-      </p:ext>
-    </p:extLst>
-  </p:cSld>
-  <p:clrMapOvr>
-    <a:masterClrMapping/>
-  </p:clrMapOvr>
-  <p:timing>
-    <p:tnLst>
-      <p:par>
-        <p:cTn id="1" dur="indefinite" restart="never" nodeType="tmRoot"/>
-      </p:par>
-    </p:tnLst>
-  </p:timing>
-</p:sld>
-</file>
-
-<file path=ppt/slides/slide20.xml><?xml version="1.0" encoding="utf-8"?>
+<file path=ppt/slides/slide21.xml><?xml version="1.0" encoding="utf-8"?>
 <p:sld xmlns:a="http://schemas.openxmlformats.org/drawingml/2006/main" xmlns:r="http://schemas.openxmlformats.org/officeDocument/2006/relationships" xmlns:p="http://schemas.openxmlformats.org/presentationml/2006/main">
   <p:cSld>
     <p:spTree>
@@ -7446,7 +7548,7 @@
             </a:pPr>
             <a:fld id="{00000000-1234-1234-1234-123412341234}" type="slidenum">
               <a:rPr lang="es-MX" smtClean="0"/>
-              <a:t>20</a:t>
+              <a:t>21</a:t>
             </a:fld>
             <a:endParaRPr lang="es-MX"/>
           </a:p>
@@ -7465,7 +7567,7 @@
 </p:sld>
 </file>
 
-<file path=ppt/slides/slide21.xml><?xml version="1.0" encoding="utf-8"?>
+<file path=ppt/slides/slide22.xml><?xml version="1.0" encoding="utf-8"?>
 <p:sld xmlns:a="http://schemas.openxmlformats.org/drawingml/2006/main" xmlns:r="http://schemas.openxmlformats.org/officeDocument/2006/relationships" xmlns:p="http://schemas.openxmlformats.org/presentationml/2006/main">
   <p:cSld>
     <p:spTree>
@@ -7531,7 +7633,7 @@
             </a:pPr>
             <a:fld id="{00000000-1234-1234-1234-123412341234}" type="slidenum">
               <a:rPr lang="es-MX" smtClean="0"/>
-              <a:t>21</a:t>
+              <a:t>22</a:t>
             </a:fld>
             <a:endParaRPr lang="es-MX"/>
           </a:p>
@@ -7703,7 +7805,7 @@
 </p:sld>
 </file>
 
-<file path=ppt/slides/slide22.xml><?xml version="1.0" encoding="utf-8"?>
+<file path=ppt/slides/slide23.xml><?xml version="1.0" encoding="utf-8"?>
 <p:sld xmlns:a="http://schemas.openxmlformats.org/drawingml/2006/main" xmlns:r="http://schemas.openxmlformats.org/officeDocument/2006/relationships" xmlns:p="http://schemas.openxmlformats.org/presentationml/2006/main">
   <p:cSld>
     <p:spTree>
@@ -7805,7 +7907,7 @@
             </a:pPr>
             <a:fld id="{00000000-1234-1234-1234-123412341234}" type="slidenum">
               <a:rPr lang="es-MX" smtClean="0"/>
-              <a:t>22</a:t>
+              <a:t>23</a:t>
             </a:fld>
             <a:endParaRPr lang="es-MX"/>
           </a:p>
@@ -7848,7 +7950,7 @@
 </p:sld>
 </file>
 
-<file path=ppt/slides/slide23.xml><?xml version="1.0" encoding="utf-8"?>
+<file path=ppt/slides/slide24.xml><?xml version="1.0" encoding="utf-8"?>
 <p:sld xmlns:a="http://schemas.openxmlformats.org/drawingml/2006/main" xmlns:r="http://schemas.openxmlformats.org/officeDocument/2006/relationships" xmlns:p="http://schemas.openxmlformats.org/presentationml/2006/main">
   <p:cSld>
     <p:spTree>
@@ -7914,7 +8016,7 @@
             </a:pPr>
             <a:fld id="{00000000-1234-1234-1234-123412341234}" type="slidenum">
               <a:rPr lang="es-MX" smtClean="0"/>
-              <a:t>23</a:t>
+              <a:t>24</a:t>
             </a:fld>
             <a:endParaRPr lang="es-MX"/>
           </a:p>
@@ -8644,7 +8746,7 @@
 </p:sld>
 </file>
 
-<file path=ppt/slides/slide24.xml><?xml version="1.0" encoding="utf-8"?>
+<file path=ppt/slides/slide25.xml><?xml version="1.0" encoding="utf-8"?>
 <p:sld xmlns:a="http://schemas.openxmlformats.org/drawingml/2006/main" xmlns:r="http://schemas.openxmlformats.org/officeDocument/2006/relationships" xmlns:p="http://schemas.openxmlformats.org/presentationml/2006/main">
   <p:cSld>
     <p:spTree>
@@ -8738,7 +8840,7 @@
             </a:pPr>
             <a:fld id="{00000000-1234-1234-1234-123412341234}" type="slidenum">
               <a:rPr lang="es-MX" smtClean="0"/>
-              <a:t>24</a:t>
+              <a:t>25</a:t>
             </a:fld>
             <a:endParaRPr lang="es-MX"/>
           </a:p>
@@ -9433,7 +9535,7 @@
 </p:sld>
 </file>
 
-<file path=ppt/slides/slide25.xml><?xml version="1.0" encoding="utf-8"?>
+<file path=ppt/slides/slide26.xml><?xml version="1.0" encoding="utf-8"?>
 <p:sld xmlns:a="http://schemas.openxmlformats.org/drawingml/2006/main" xmlns:r="http://schemas.openxmlformats.org/officeDocument/2006/relationships" xmlns:p="http://schemas.openxmlformats.org/presentationml/2006/main">
   <p:cSld>
     <p:spTree>
@@ -9522,7 +9624,7 @@
             </a:pPr>
             <a:fld id="{00000000-1234-1234-1234-123412341234}" type="slidenum">
               <a:rPr lang="es-MX" smtClean="0"/>
-              <a:t>25</a:t>
+              <a:t>26</a:t>
             </a:fld>
             <a:endParaRPr lang="es-MX"/>
           </a:p>
@@ -9541,7 +9643,7 @@
 </p:sld>
 </file>
 
-<file path=ppt/slides/slide26.xml><?xml version="1.0" encoding="utf-8"?>
+<file path=ppt/slides/slide27.xml><?xml version="1.0" encoding="utf-8"?>
 <p:sld xmlns:a="http://schemas.openxmlformats.org/drawingml/2006/main" xmlns:r="http://schemas.openxmlformats.org/officeDocument/2006/relationships" xmlns:p="http://schemas.openxmlformats.org/presentationml/2006/main">
   <p:cSld>
     <p:spTree>
@@ -9644,7 +9746,7 @@
             </a:pPr>
             <a:fld id="{00000000-1234-1234-1234-123412341234}" type="slidenum">
               <a:rPr lang="es-MX" smtClean="0"/>
-              <a:t>26</a:t>
+              <a:t>27</a:t>
             </a:fld>
             <a:endParaRPr lang="es-MX"/>
           </a:p>
@@ -9663,7 +9765,7 @@
 </p:sld>
 </file>
 
-<file path=ppt/slides/slide27.xml><?xml version="1.0" encoding="utf-8"?>
+<file path=ppt/slides/slide28.xml><?xml version="1.0" encoding="utf-8"?>
 <p:sld xmlns:a="http://schemas.openxmlformats.org/drawingml/2006/main" xmlns:r="http://schemas.openxmlformats.org/officeDocument/2006/relationships" xmlns:p="http://schemas.openxmlformats.org/presentationml/2006/main">
   <p:cSld>
     <p:spTree>
@@ -9729,7 +9831,7 @@
             </a:pPr>
             <a:fld id="{00000000-1234-1234-1234-123412341234}" type="slidenum">
               <a:rPr lang="es-MX" smtClean="0"/>
-              <a:t>27</a:t>
+              <a:t>28</a:t>
             </a:fld>
             <a:endParaRPr lang="es-MX"/>
           </a:p>
@@ -10157,7 +10259,7 @@
 </p:sld>
 </file>
 
-<file path=ppt/slides/slide28.xml><?xml version="1.0" encoding="utf-8"?>
+<file path=ppt/slides/slide29.xml><?xml version="1.0" encoding="utf-8"?>
 <p:sld xmlns:a="http://schemas.openxmlformats.org/drawingml/2006/main" xmlns:r="http://schemas.openxmlformats.org/officeDocument/2006/relationships" xmlns:p="http://schemas.openxmlformats.org/presentationml/2006/main">
   <p:cSld>
     <p:spTree>
@@ -10219,7 +10321,7 @@
             </a:pPr>
             <a:fld id="{00000000-1234-1234-1234-123412341234}" type="slidenum">
               <a:rPr lang="es-MX" smtClean="0"/>
-              <a:t>28</a:t>
+              <a:t>29</a:t>
             </a:fld>
             <a:endParaRPr lang="es-MX"/>
           </a:p>
@@ -10759,649 +10861,6 @@
     <p:extLst>
       <p:ext uri="{BB962C8B-B14F-4D97-AF65-F5344CB8AC3E}">
         <p14:creationId xmlns:p14="http://schemas.microsoft.com/office/powerpoint/2010/main" val="3136559070"/>
-      </p:ext>
-    </p:extLst>
-  </p:cSld>
-  <p:clrMapOvr>
-    <a:masterClrMapping/>
-  </p:clrMapOvr>
-</p:sld>
-</file>
-
-<file path=ppt/slides/slide29.xml><?xml version="1.0" encoding="utf-8"?>
-<p:sld xmlns:a="http://schemas.openxmlformats.org/drawingml/2006/main" xmlns:r="http://schemas.openxmlformats.org/officeDocument/2006/relationships" xmlns:p="http://schemas.openxmlformats.org/presentationml/2006/main">
-  <p:cSld>
-    <p:spTree>
-      <p:nvGrpSpPr>
-        <p:cNvPr id="1" name=""/>
-        <p:cNvGrpSpPr/>
-        <p:nvPr/>
-      </p:nvGrpSpPr>
-      <p:grpSpPr>
-        <a:xfrm>
-          <a:off x="0" y="0"/>
-          <a:ext cx="0" cy="0"/>
-          <a:chOff x="0" y="0"/>
-          <a:chExt cx="0" cy="0"/>
-        </a:xfrm>
-      </p:grpSpPr>
-      <p:sp>
-        <p:nvSpPr>
-          <p:cNvPr id="2" name="Título 1"/>
-          <p:cNvSpPr>
-            <a:spLocks noGrp="1"/>
-          </p:cNvSpPr>
-          <p:nvPr>
-            <p:ph type="title"/>
-          </p:nvPr>
-        </p:nvSpPr>
-        <p:spPr/>
-        <p:txBody>
-          <a:bodyPr/>
-          <a:lstStyle/>
-          <a:p>
-            <a:r>
-              <a:rPr lang="es-MX" dirty="0" smtClean="0"/>
-              <a:t>Normalización</a:t>
-            </a:r>
-            <a:endParaRPr lang="es-MX" dirty="0"/>
-          </a:p>
-        </p:txBody>
-      </p:sp>
-      <p:sp>
-        <p:nvSpPr>
-          <p:cNvPr id="3" name="Marcador de texto 2"/>
-          <p:cNvSpPr>
-            <a:spLocks noGrp="1"/>
-          </p:cNvSpPr>
-          <p:nvPr>
-            <p:ph type="body" idx="1"/>
-          </p:nvPr>
-        </p:nvSpPr>
-        <p:spPr>
-          <a:xfrm>
-            <a:off x="814275" y="1327350"/>
-            <a:ext cx="6132600" cy="292130"/>
-          </a:xfrm>
-        </p:spPr>
-        <p:txBody>
-          <a:bodyPr/>
-          <a:lstStyle/>
-          <a:p>
-            <a:r>
-              <a:rPr lang="es-MX" dirty="0" smtClean="0"/>
-              <a:t>Anomalía por Inserción</a:t>
-            </a:r>
-            <a:endParaRPr lang="es-MX" dirty="0"/>
-          </a:p>
-        </p:txBody>
-      </p:sp>
-      <p:sp>
-        <p:nvSpPr>
-          <p:cNvPr id="4" name="Marcador de número de diapositiva 3"/>
-          <p:cNvSpPr>
-            <a:spLocks noGrp="1"/>
-          </p:cNvSpPr>
-          <p:nvPr>
-            <p:ph type="sldNum" idx="12"/>
-          </p:nvPr>
-        </p:nvSpPr>
-        <p:spPr/>
-        <p:txBody>
-          <a:bodyPr/>
-          <a:lstStyle/>
-          <a:p>
-            <a:pPr marL="0" lvl="0" indent="0">
-              <a:spcBef>
-                <a:spcPts val="0"/>
-              </a:spcBef>
-              <a:spcAft>
-                <a:spcPts val="0"/>
-              </a:spcAft>
-              <a:buNone/>
-            </a:pPr>
-            <a:fld id="{00000000-1234-1234-1234-123412341234}" type="slidenum">
-              <a:rPr lang="es-MX" smtClean="0"/>
-              <a:t>29</a:t>
-            </a:fld>
-            <a:endParaRPr lang="es-MX"/>
-          </a:p>
-        </p:txBody>
-      </p:sp>
-      <p:graphicFrame>
-        <p:nvGraphicFramePr>
-          <p:cNvPr id="5" name="Tabla 4"/>
-          <p:cNvGraphicFramePr>
-            <a:graphicFrameLocks noGrp="1"/>
-          </p:cNvGraphicFramePr>
-          <p:nvPr>
-            <p:extLst>
-              <p:ext uri="{D42A27DB-BD31-4B8C-83A1-F6EECF244321}">
-                <p14:modId xmlns:p14="http://schemas.microsoft.com/office/powerpoint/2010/main" val="840495258"/>
-              </p:ext>
-            </p:extLst>
-          </p:nvPr>
-        </p:nvGraphicFramePr>
-        <p:xfrm>
-          <a:off x="1894364" y="1710756"/>
-          <a:ext cx="5158996" cy="2001520"/>
-        </p:xfrm>
-        <a:graphic>
-          <a:graphicData uri="http://schemas.openxmlformats.org/drawingml/2006/table">
-            <a:tbl>
-              <a:tblPr firstRow="1" bandRow="1">
-                <a:tableStyleId>{3C2FFA5D-87B4-456A-9821-1D502468CF0F}</a:tableStyleId>
-              </a:tblPr>
-              <a:tblGrid>
-                <a:gridCol w="1289749">
-                  <a:extLst>
-                    <a:ext uri="{9D8B030D-6E8A-4147-A177-3AD203B41FA5}">
-                      <a16:colId xmlns:a16="http://schemas.microsoft.com/office/drawing/2014/main" val="338033282"/>
-                    </a:ext>
-                  </a:extLst>
-                </a:gridCol>
-                <a:gridCol w="1289749">
-                  <a:extLst>
-                    <a:ext uri="{9D8B030D-6E8A-4147-A177-3AD203B41FA5}">
-                      <a16:colId xmlns:a16="http://schemas.microsoft.com/office/drawing/2014/main" val="668262126"/>
-                    </a:ext>
-                  </a:extLst>
-                </a:gridCol>
-                <a:gridCol w="996295">
-                  <a:extLst>
-                    <a:ext uri="{9D8B030D-6E8A-4147-A177-3AD203B41FA5}">
-                      <a16:colId xmlns:a16="http://schemas.microsoft.com/office/drawing/2014/main" val="2542612987"/>
-                    </a:ext>
-                  </a:extLst>
-                </a:gridCol>
-                <a:gridCol w="1583203">
-                  <a:extLst>
-                    <a:ext uri="{9D8B030D-6E8A-4147-A177-3AD203B41FA5}">
-                      <a16:colId xmlns:a16="http://schemas.microsoft.com/office/drawing/2014/main" val="4259591450"/>
-                    </a:ext>
-                  </a:extLst>
-                </a:gridCol>
-              </a:tblGrid>
-              <a:tr h="370840">
-                <a:tc>
-                  <a:txBody>
-                    <a:bodyPr/>
-                    <a:lstStyle/>
-                    <a:p>
-                      <a:pPr algn="ctr"/>
-                      <a:r>
-                        <a:rPr lang="es-MX" dirty="0" smtClean="0"/>
-                        <a:t>Nombre Artista</a:t>
-                      </a:r>
-                      <a:endParaRPr lang="es-MX" dirty="0"/>
-                    </a:p>
-                  </a:txBody>
-                  <a:tcPr/>
-                </a:tc>
-                <a:tc>
-                  <a:txBody>
-                    <a:bodyPr/>
-                    <a:lstStyle/>
-                    <a:p>
-                      <a:pPr algn="ctr"/>
-                      <a:r>
-                        <a:rPr lang="es-MX" dirty="0" smtClean="0"/>
-                        <a:t>Id</a:t>
-                      </a:r>
-                      <a:endParaRPr lang="es-MX" dirty="0"/>
-                    </a:p>
-                  </a:txBody>
-                  <a:tcPr/>
-                </a:tc>
-                <a:tc>
-                  <a:txBody>
-                    <a:bodyPr/>
-                    <a:lstStyle/>
-                    <a:p>
-                      <a:pPr algn="ctr"/>
-                      <a:r>
-                        <a:rPr lang="es-MX" dirty="0" smtClean="0"/>
-                        <a:t>Último Ranking</a:t>
-                      </a:r>
-                      <a:endParaRPr lang="es-MX" dirty="0"/>
-                    </a:p>
-                  </a:txBody>
-                  <a:tcPr/>
-                </a:tc>
-                <a:tc>
-                  <a:txBody>
-                    <a:bodyPr/>
-                    <a:lstStyle/>
-                    <a:p>
-                      <a:pPr algn="ctr"/>
-                      <a:r>
-                        <a:rPr lang="es-MX" dirty="0" smtClean="0"/>
-                        <a:t>Disquera</a:t>
-                      </a:r>
-                      <a:endParaRPr lang="es-MX" dirty="0"/>
-                    </a:p>
-                  </a:txBody>
-                  <a:tcPr/>
-                </a:tc>
-                <a:extLst>
-                  <a:ext uri="{0D108BD9-81ED-4DB2-BD59-A6C34878D82A}">
-                    <a16:rowId xmlns:a16="http://schemas.microsoft.com/office/drawing/2014/main" val="1272340105"/>
-                  </a:ext>
-                </a:extLst>
-              </a:tr>
-              <a:tr h="370840">
-                <a:tc>
-                  <a:txBody>
-                    <a:bodyPr/>
-                    <a:lstStyle/>
-                    <a:p>
-                      <a:pPr algn="ctr"/>
-                      <a:r>
-                        <a:rPr lang="es-MX" dirty="0" smtClean="0"/>
-                        <a:t>Drake</a:t>
-                      </a:r>
-                      <a:endParaRPr lang="es-MX" dirty="0"/>
-                    </a:p>
-                  </a:txBody>
-                  <a:tcPr/>
-                </a:tc>
-                <a:tc>
-                  <a:txBody>
-                    <a:bodyPr/>
-                    <a:lstStyle/>
-                    <a:p>
-                      <a:pPr algn="ctr"/>
-                      <a:r>
-                        <a:rPr lang="es-MX" dirty="0" smtClean="0"/>
-                        <a:t>012354</a:t>
-                      </a:r>
-                      <a:endParaRPr lang="es-MX" dirty="0"/>
-                    </a:p>
-                  </a:txBody>
-                  <a:tcPr/>
-                </a:tc>
-                <a:tc>
-                  <a:txBody>
-                    <a:bodyPr/>
-                    <a:lstStyle/>
-                    <a:p>
-                      <a:pPr algn="ctr"/>
-                      <a:r>
-                        <a:rPr lang="es-MX" dirty="0" smtClean="0"/>
-                        <a:t>1</a:t>
-                      </a:r>
-                      <a:endParaRPr lang="es-MX" dirty="0"/>
-                    </a:p>
-                  </a:txBody>
-                  <a:tcPr/>
-                </a:tc>
-                <a:tc>
-                  <a:txBody>
-                    <a:bodyPr/>
-                    <a:lstStyle/>
-                    <a:p>
-                      <a:pPr algn="ctr"/>
-                      <a:r>
-                        <a:rPr lang="es-MX" dirty="0" smtClean="0"/>
-                        <a:t>Young Money</a:t>
-                      </a:r>
-                      <a:endParaRPr lang="es-MX" dirty="0"/>
-                    </a:p>
-                  </a:txBody>
-                  <a:tcPr/>
-                </a:tc>
-                <a:extLst>
-                  <a:ext uri="{0D108BD9-81ED-4DB2-BD59-A6C34878D82A}">
-                    <a16:rowId xmlns:a16="http://schemas.microsoft.com/office/drawing/2014/main" val="319874315"/>
-                  </a:ext>
-                </a:extLst>
-              </a:tr>
-              <a:tr h="370840">
-                <a:tc>
-                  <a:txBody>
-                    <a:bodyPr/>
-                    <a:lstStyle/>
-                    <a:p>
-                      <a:pPr algn="ctr"/>
-                      <a:r>
-                        <a:rPr lang="es-MX" dirty="0" err="1" smtClean="0"/>
-                        <a:t>Maroon</a:t>
-                      </a:r>
-                      <a:r>
-                        <a:rPr lang="es-MX" dirty="0" smtClean="0"/>
-                        <a:t> 5</a:t>
-                      </a:r>
-                      <a:endParaRPr lang="es-MX" dirty="0"/>
-                    </a:p>
-                  </a:txBody>
-                  <a:tcPr/>
-                </a:tc>
-                <a:tc>
-                  <a:txBody>
-                    <a:bodyPr/>
-                    <a:lstStyle/>
-                    <a:p>
-                      <a:pPr algn="ctr"/>
-                      <a:r>
-                        <a:rPr lang="es-MX" dirty="0" smtClean="0"/>
-                        <a:t>025644</a:t>
-                      </a:r>
-                      <a:endParaRPr lang="es-MX" dirty="0"/>
-                    </a:p>
-                  </a:txBody>
-                  <a:tcPr/>
-                </a:tc>
-                <a:tc>
-                  <a:txBody>
-                    <a:bodyPr/>
-                    <a:lstStyle/>
-                    <a:p>
-                      <a:pPr algn="ctr"/>
-                      <a:r>
-                        <a:rPr lang="es-MX" dirty="0" smtClean="0"/>
-                        <a:t>2</a:t>
-                      </a:r>
-                      <a:endParaRPr lang="es-MX" dirty="0"/>
-                    </a:p>
-                  </a:txBody>
-                  <a:tcPr/>
-                </a:tc>
-                <a:tc>
-                  <a:txBody>
-                    <a:bodyPr/>
-                    <a:lstStyle/>
-                    <a:p>
-                      <a:pPr algn="ctr"/>
-                      <a:r>
-                        <a:rPr lang="es-MX" dirty="0" err="1" smtClean="0"/>
-                        <a:t>Interscope</a:t>
-                      </a:r>
-                      <a:endParaRPr lang="es-MX" dirty="0"/>
-                    </a:p>
-                  </a:txBody>
-                  <a:tcPr/>
-                </a:tc>
-                <a:extLst>
-                  <a:ext uri="{0D108BD9-81ED-4DB2-BD59-A6C34878D82A}">
-                    <a16:rowId xmlns:a16="http://schemas.microsoft.com/office/drawing/2014/main" val="3652563023"/>
-                  </a:ext>
-                </a:extLst>
-              </a:tr>
-              <a:tr h="370840">
-                <a:tc>
-                  <a:txBody>
-                    <a:bodyPr/>
-                    <a:lstStyle/>
-                    <a:p>
-                      <a:pPr algn="ctr"/>
-                      <a:r>
-                        <a:rPr lang="es-MX" dirty="0" err="1" smtClean="0"/>
-                        <a:t>Cardi</a:t>
-                      </a:r>
-                      <a:r>
-                        <a:rPr lang="es-MX" dirty="0" smtClean="0"/>
-                        <a:t> B</a:t>
-                      </a:r>
-                      <a:endParaRPr lang="es-MX" dirty="0"/>
-                    </a:p>
-                  </a:txBody>
-                  <a:tcPr/>
-                </a:tc>
-                <a:tc>
-                  <a:txBody>
-                    <a:bodyPr/>
-                    <a:lstStyle/>
-                    <a:p>
-                      <a:pPr algn="ctr"/>
-                      <a:r>
-                        <a:rPr lang="es-MX" dirty="0" smtClean="0"/>
-                        <a:t>023245</a:t>
-                      </a:r>
-                      <a:endParaRPr lang="es-MX" dirty="0"/>
-                    </a:p>
-                  </a:txBody>
-                  <a:tcPr/>
-                </a:tc>
-                <a:tc>
-                  <a:txBody>
-                    <a:bodyPr/>
-                    <a:lstStyle/>
-                    <a:p>
-                      <a:pPr algn="ctr"/>
-                      <a:r>
-                        <a:rPr lang="es-MX" dirty="0" smtClean="0"/>
-                        <a:t>3</a:t>
-                      </a:r>
-                      <a:endParaRPr lang="es-MX" dirty="0"/>
-                    </a:p>
-                  </a:txBody>
-                  <a:tcPr/>
-                </a:tc>
-                <a:tc>
-                  <a:txBody>
-                    <a:bodyPr/>
-                    <a:lstStyle/>
-                    <a:p>
-                      <a:pPr algn="ctr"/>
-                      <a:r>
-                        <a:rPr lang="es-MX" dirty="0" err="1" smtClean="0"/>
-                        <a:t>Atlantic</a:t>
-                      </a:r>
-                      <a:endParaRPr lang="es-MX" dirty="0"/>
-                    </a:p>
-                  </a:txBody>
-                  <a:tcPr/>
-                </a:tc>
-                <a:extLst>
-                  <a:ext uri="{0D108BD9-81ED-4DB2-BD59-A6C34878D82A}">
-                    <a16:rowId xmlns:a16="http://schemas.microsoft.com/office/drawing/2014/main" val="2935453317"/>
-                  </a:ext>
-                </a:extLst>
-              </a:tr>
-              <a:tr h="370840">
-                <a:tc>
-                  <a:txBody>
-                    <a:bodyPr/>
-                    <a:lstStyle/>
-                    <a:p>
-                      <a:pPr algn="ctr"/>
-                      <a:r>
-                        <a:rPr lang="es-MX" dirty="0" err="1" smtClean="0"/>
-                        <a:t>Bad</a:t>
-                      </a:r>
-                      <a:r>
-                        <a:rPr lang="es-MX" dirty="0" smtClean="0"/>
-                        <a:t> </a:t>
-                      </a:r>
-                      <a:r>
-                        <a:rPr lang="es-MX" dirty="0" err="1" smtClean="0"/>
-                        <a:t>Bunny</a:t>
-                      </a:r>
-                      <a:endParaRPr lang="es-MX" dirty="0"/>
-                    </a:p>
-                  </a:txBody>
-                  <a:tcPr/>
-                </a:tc>
-                <a:tc>
-                  <a:txBody>
-                    <a:bodyPr/>
-                    <a:lstStyle/>
-                    <a:p>
-                      <a:pPr algn="ctr"/>
-                      <a:r>
-                        <a:rPr lang="es-MX" dirty="0" smtClean="0"/>
-                        <a:t>031548</a:t>
-                      </a:r>
-                      <a:endParaRPr lang="es-MX" dirty="0"/>
-                    </a:p>
-                  </a:txBody>
-                  <a:tcPr/>
-                </a:tc>
-                <a:tc>
-                  <a:txBody>
-                    <a:bodyPr/>
-                    <a:lstStyle/>
-                    <a:p>
-                      <a:pPr algn="ctr"/>
-                      <a:r>
-                        <a:rPr lang="es-MX" dirty="0" smtClean="0"/>
-                        <a:t>3</a:t>
-                      </a:r>
-                      <a:endParaRPr lang="es-MX" dirty="0"/>
-                    </a:p>
-                  </a:txBody>
-                  <a:tcPr/>
-                </a:tc>
-                <a:tc>
-                  <a:txBody>
-                    <a:bodyPr/>
-                    <a:lstStyle/>
-                    <a:p>
-                      <a:pPr algn="ctr"/>
-                      <a:r>
-                        <a:rPr lang="es-MX" dirty="0" err="1" smtClean="0"/>
-                        <a:t>Atlantic</a:t>
-                      </a:r>
-                      <a:endParaRPr lang="es-MX" dirty="0"/>
-                    </a:p>
-                  </a:txBody>
-                  <a:tcPr/>
-                </a:tc>
-                <a:extLst>
-                  <a:ext uri="{0D108BD9-81ED-4DB2-BD59-A6C34878D82A}">
-                    <a16:rowId xmlns:a16="http://schemas.microsoft.com/office/drawing/2014/main" val="710231552"/>
-                  </a:ext>
-                </a:extLst>
-              </a:tr>
-            </a:tbl>
-          </a:graphicData>
-        </a:graphic>
-      </p:graphicFrame>
-      <p:graphicFrame>
-        <p:nvGraphicFramePr>
-          <p:cNvPr id="6" name="Tabla 5"/>
-          <p:cNvGraphicFramePr>
-            <a:graphicFrameLocks noGrp="1"/>
-          </p:cNvGraphicFramePr>
-          <p:nvPr>
-            <p:extLst>
-              <p:ext uri="{D42A27DB-BD31-4B8C-83A1-F6EECF244321}">
-                <p14:modId xmlns:p14="http://schemas.microsoft.com/office/powerpoint/2010/main" val="220138129"/>
-              </p:ext>
-            </p:extLst>
-          </p:nvPr>
-        </p:nvGraphicFramePr>
-        <p:xfrm>
-          <a:off x="1376249" y="4078837"/>
-          <a:ext cx="5158996" cy="370840"/>
-        </p:xfrm>
-        <a:graphic>
-          <a:graphicData uri="http://schemas.openxmlformats.org/drawingml/2006/table">
-            <a:tbl>
-              <a:tblPr firstRow="1" bandRow="1">
-                <a:tableStyleId>{D27102A9-8310-4765-A935-A1911B00CA55}</a:tableStyleId>
-              </a:tblPr>
-              <a:tblGrid>
-                <a:gridCol w="1289749">
-                  <a:extLst>
-                    <a:ext uri="{9D8B030D-6E8A-4147-A177-3AD203B41FA5}">
-                      <a16:colId xmlns:a16="http://schemas.microsoft.com/office/drawing/2014/main" val="1146219720"/>
-                    </a:ext>
-                  </a:extLst>
-                </a:gridCol>
-                <a:gridCol w="1289749">
-                  <a:extLst>
-                    <a:ext uri="{9D8B030D-6E8A-4147-A177-3AD203B41FA5}">
-                      <a16:colId xmlns:a16="http://schemas.microsoft.com/office/drawing/2014/main" val="2691120800"/>
-                    </a:ext>
-                  </a:extLst>
-                </a:gridCol>
-                <a:gridCol w="996295">
-                  <a:extLst>
-                    <a:ext uri="{9D8B030D-6E8A-4147-A177-3AD203B41FA5}">
-                      <a16:colId xmlns:a16="http://schemas.microsoft.com/office/drawing/2014/main" val="155931656"/>
-                    </a:ext>
-                  </a:extLst>
-                </a:gridCol>
-                <a:gridCol w="1583203">
-                  <a:extLst>
-                    <a:ext uri="{9D8B030D-6E8A-4147-A177-3AD203B41FA5}">
-                      <a16:colId xmlns:a16="http://schemas.microsoft.com/office/drawing/2014/main" val="605374318"/>
-                    </a:ext>
-                  </a:extLst>
-                </a:gridCol>
-              </a:tblGrid>
-              <a:tr h="370840">
-                <a:tc>
-                  <a:txBody>
-                    <a:bodyPr/>
-                    <a:lstStyle/>
-                    <a:p>
-                      <a:pPr algn="ctr"/>
-                      <a:r>
-                        <a:rPr lang="es-MX" dirty="0" smtClean="0"/>
-                        <a:t>León</a:t>
-                      </a:r>
-                      <a:r>
-                        <a:rPr lang="es-MX" baseline="0" dirty="0" smtClean="0"/>
-                        <a:t> UP</a:t>
-                      </a:r>
-                      <a:endParaRPr lang="es-MX" dirty="0"/>
-                    </a:p>
-                  </a:txBody>
-                  <a:tcPr/>
-                </a:tc>
-                <a:tc>
-                  <a:txBody>
-                    <a:bodyPr/>
-                    <a:lstStyle/>
-                    <a:p>
-                      <a:pPr algn="ctr"/>
-                      <a:r>
-                        <a:rPr lang="es-MX" dirty="0" smtClean="0"/>
-                        <a:t>031549</a:t>
-                      </a:r>
-                      <a:endParaRPr lang="es-MX" dirty="0"/>
-                    </a:p>
-                  </a:txBody>
-                  <a:tcPr/>
-                </a:tc>
-                <a:tc>
-                  <a:txBody>
-                    <a:bodyPr/>
-                    <a:lstStyle/>
-                    <a:p>
-                      <a:pPr algn="ctr"/>
-                      <a:endParaRPr lang="es-MX" dirty="0"/>
-                    </a:p>
-                  </a:txBody>
-                  <a:tcPr/>
-                </a:tc>
-                <a:tc>
-                  <a:txBody>
-                    <a:bodyPr/>
-                    <a:lstStyle/>
-                    <a:p>
-                      <a:pPr algn="ctr"/>
-                      <a:endParaRPr lang="es-MX" dirty="0"/>
-                    </a:p>
-                  </a:txBody>
-                  <a:tcPr/>
-                </a:tc>
-                <a:extLst>
-                  <a:ext uri="{0D108BD9-81ED-4DB2-BD59-A6C34878D82A}">
-                    <a16:rowId xmlns:a16="http://schemas.microsoft.com/office/drawing/2014/main" val="1043366678"/>
-                  </a:ext>
-                </a:extLst>
-              </a:tr>
-            </a:tbl>
-          </a:graphicData>
-        </a:graphic>
-      </p:graphicFrame>
-    </p:spTree>
-    <p:extLst>
-      <p:ext uri="{BB962C8B-B14F-4D97-AF65-F5344CB8AC3E}">
-        <p14:creationId xmlns:p14="http://schemas.microsoft.com/office/powerpoint/2010/main" val="2507754722"/>
       </p:ext>
     </p:extLst>
   </p:cSld>
@@ -11602,6 +11061,649 @@
         <p:spPr>
           <a:xfrm>
             <a:off x="814275" y="1327350"/>
+            <a:ext cx="6132600" cy="292130"/>
+          </a:xfrm>
+        </p:spPr>
+        <p:txBody>
+          <a:bodyPr/>
+          <a:lstStyle/>
+          <a:p>
+            <a:r>
+              <a:rPr lang="es-MX" dirty="0" smtClean="0"/>
+              <a:t>Anomalía por Inserción</a:t>
+            </a:r>
+            <a:endParaRPr lang="es-MX" dirty="0"/>
+          </a:p>
+        </p:txBody>
+      </p:sp>
+      <p:sp>
+        <p:nvSpPr>
+          <p:cNvPr id="4" name="Marcador de número de diapositiva 3"/>
+          <p:cNvSpPr>
+            <a:spLocks noGrp="1"/>
+          </p:cNvSpPr>
+          <p:nvPr>
+            <p:ph type="sldNum" idx="12"/>
+          </p:nvPr>
+        </p:nvSpPr>
+        <p:spPr/>
+        <p:txBody>
+          <a:bodyPr/>
+          <a:lstStyle/>
+          <a:p>
+            <a:pPr marL="0" lvl="0" indent="0">
+              <a:spcBef>
+                <a:spcPts val="0"/>
+              </a:spcBef>
+              <a:spcAft>
+                <a:spcPts val="0"/>
+              </a:spcAft>
+              <a:buNone/>
+            </a:pPr>
+            <a:fld id="{00000000-1234-1234-1234-123412341234}" type="slidenum">
+              <a:rPr lang="es-MX" smtClean="0"/>
+              <a:t>30</a:t>
+            </a:fld>
+            <a:endParaRPr lang="es-MX"/>
+          </a:p>
+        </p:txBody>
+      </p:sp>
+      <p:graphicFrame>
+        <p:nvGraphicFramePr>
+          <p:cNvPr id="5" name="Tabla 4"/>
+          <p:cNvGraphicFramePr>
+            <a:graphicFrameLocks noGrp="1"/>
+          </p:cNvGraphicFramePr>
+          <p:nvPr>
+            <p:extLst>
+              <p:ext uri="{D42A27DB-BD31-4B8C-83A1-F6EECF244321}">
+                <p14:modId xmlns:p14="http://schemas.microsoft.com/office/powerpoint/2010/main" val="840495258"/>
+              </p:ext>
+            </p:extLst>
+          </p:nvPr>
+        </p:nvGraphicFramePr>
+        <p:xfrm>
+          <a:off x="1894364" y="1710756"/>
+          <a:ext cx="5158996" cy="2001520"/>
+        </p:xfrm>
+        <a:graphic>
+          <a:graphicData uri="http://schemas.openxmlformats.org/drawingml/2006/table">
+            <a:tbl>
+              <a:tblPr firstRow="1" bandRow="1">
+                <a:tableStyleId>{3C2FFA5D-87B4-456A-9821-1D502468CF0F}</a:tableStyleId>
+              </a:tblPr>
+              <a:tblGrid>
+                <a:gridCol w="1289749">
+                  <a:extLst>
+                    <a:ext uri="{9D8B030D-6E8A-4147-A177-3AD203B41FA5}">
+                      <a16:colId xmlns:a16="http://schemas.microsoft.com/office/drawing/2014/main" val="338033282"/>
+                    </a:ext>
+                  </a:extLst>
+                </a:gridCol>
+                <a:gridCol w="1289749">
+                  <a:extLst>
+                    <a:ext uri="{9D8B030D-6E8A-4147-A177-3AD203B41FA5}">
+                      <a16:colId xmlns:a16="http://schemas.microsoft.com/office/drawing/2014/main" val="668262126"/>
+                    </a:ext>
+                  </a:extLst>
+                </a:gridCol>
+                <a:gridCol w="996295">
+                  <a:extLst>
+                    <a:ext uri="{9D8B030D-6E8A-4147-A177-3AD203B41FA5}">
+                      <a16:colId xmlns:a16="http://schemas.microsoft.com/office/drawing/2014/main" val="2542612987"/>
+                    </a:ext>
+                  </a:extLst>
+                </a:gridCol>
+                <a:gridCol w="1583203">
+                  <a:extLst>
+                    <a:ext uri="{9D8B030D-6E8A-4147-A177-3AD203B41FA5}">
+                      <a16:colId xmlns:a16="http://schemas.microsoft.com/office/drawing/2014/main" val="4259591450"/>
+                    </a:ext>
+                  </a:extLst>
+                </a:gridCol>
+              </a:tblGrid>
+              <a:tr h="370840">
+                <a:tc>
+                  <a:txBody>
+                    <a:bodyPr/>
+                    <a:lstStyle/>
+                    <a:p>
+                      <a:pPr algn="ctr"/>
+                      <a:r>
+                        <a:rPr lang="es-MX" dirty="0" smtClean="0"/>
+                        <a:t>Nombre Artista</a:t>
+                      </a:r>
+                      <a:endParaRPr lang="es-MX" dirty="0"/>
+                    </a:p>
+                  </a:txBody>
+                  <a:tcPr/>
+                </a:tc>
+                <a:tc>
+                  <a:txBody>
+                    <a:bodyPr/>
+                    <a:lstStyle/>
+                    <a:p>
+                      <a:pPr algn="ctr"/>
+                      <a:r>
+                        <a:rPr lang="es-MX" dirty="0" smtClean="0"/>
+                        <a:t>Id</a:t>
+                      </a:r>
+                      <a:endParaRPr lang="es-MX" dirty="0"/>
+                    </a:p>
+                  </a:txBody>
+                  <a:tcPr/>
+                </a:tc>
+                <a:tc>
+                  <a:txBody>
+                    <a:bodyPr/>
+                    <a:lstStyle/>
+                    <a:p>
+                      <a:pPr algn="ctr"/>
+                      <a:r>
+                        <a:rPr lang="es-MX" dirty="0" smtClean="0"/>
+                        <a:t>Último Ranking</a:t>
+                      </a:r>
+                      <a:endParaRPr lang="es-MX" dirty="0"/>
+                    </a:p>
+                  </a:txBody>
+                  <a:tcPr/>
+                </a:tc>
+                <a:tc>
+                  <a:txBody>
+                    <a:bodyPr/>
+                    <a:lstStyle/>
+                    <a:p>
+                      <a:pPr algn="ctr"/>
+                      <a:r>
+                        <a:rPr lang="es-MX" dirty="0" smtClean="0"/>
+                        <a:t>Disquera</a:t>
+                      </a:r>
+                      <a:endParaRPr lang="es-MX" dirty="0"/>
+                    </a:p>
+                  </a:txBody>
+                  <a:tcPr/>
+                </a:tc>
+                <a:extLst>
+                  <a:ext uri="{0D108BD9-81ED-4DB2-BD59-A6C34878D82A}">
+                    <a16:rowId xmlns:a16="http://schemas.microsoft.com/office/drawing/2014/main" val="1272340105"/>
+                  </a:ext>
+                </a:extLst>
+              </a:tr>
+              <a:tr h="370840">
+                <a:tc>
+                  <a:txBody>
+                    <a:bodyPr/>
+                    <a:lstStyle/>
+                    <a:p>
+                      <a:pPr algn="ctr"/>
+                      <a:r>
+                        <a:rPr lang="es-MX" dirty="0" smtClean="0"/>
+                        <a:t>Drake</a:t>
+                      </a:r>
+                      <a:endParaRPr lang="es-MX" dirty="0"/>
+                    </a:p>
+                  </a:txBody>
+                  <a:tcPr/>
+                </a:tc>
+                <a:tc>
+                  <a:txBody>
+                    <a:bodyPr/>
+                    <a:lstStyle/>
+                    <a:p>
+                      <a:pPr algn="ctr"/>
+                      <a:r>
+                        <a:rPr lang="es-MX" dirty="0" smtClean="0"/>
+                        <a:t>012354</a:t>
+                      </a:r>
+                      <a:endParaRPr lang="es-MX" dirty="0"/>
+                    </a:p>
+                  </a:txBody>
+                  <a:tcPr/>
+                </a:tc>
+                <a:tc>
+                  <a:txBody>
+                    <a:bodyPr/>
+                    <a:lstStyle/>
+                    <a:p>
+                      <a:pPr algn="ctr"/>
+                      <a:r>
+                        <a:rPr lang="es-MX" dirty="0" smtClean="0"/>
+                        <a:t>1</a:t>
+                      </a:r>
+                      <a:endParaRPr lang="es-MX" dirty="0"/>
+                    </a:p>
+                  </a:txBody>
+                  <a:tcPr/>
+                </a:tc>
+                <a:tc>
+                  <a:txBody>
+                    <a:bodyPr/>
+                    <a:lstStyle/>
+                    <a:p>
+                      <a:pPr algn="ctr"/>
+                      <a:r>
+                        <a:rPr lang="es-MX" dirty="0" smtClean="0"/>
+                        <a:t>Young Money</a:t>
+                      </a:r>
+                      <a:endParaRPr lang="es-MX" dirty="0"/>
+                    </a:p>
+                  </a:txBody>
+                  <a:tcPr/>
+                </a:tc>
+                <a:extLst>
+                  <a:ext uri="{0D108BD9-81ED-4DB2-BD59-A6C34878D82A}">
+                    <a16:rowId xmlns:a16="http://schemas.microsoft.com/office/drawing/2014/main" val="319874315"/>
+                  </a:ext>
+                </a:extLst>
+              </a:tr>
+              <a:tr h="370840">
+                <a:tc>
+                  <a:txBody>
+                    <a:bodyPr/>
+                    <a:lstStyle/>
+                    <a:p>
+                      <a:pPr algn="ctr"/>
+                      <a:r>
+                        <a:rPr lang="es-MX" dirty="0" err="1" smtClean="0"/>
+                        <a:t>Maroon</a:t>
+                      </a:r>
+                      <a:r>
+                        <a:rPr lang="es-MX" dirty="0" smtClean="0"/>
+                        <a:t> 5</a:t>
+                      </a:r>
+                      <a:endParaRPr lang="es-MX" dirty="0"/>
+                    </a:p>
+                  </a:txBody>
+                  <a:tcPr/>
+                </a:tc>
+                <a:tc>
+                  <a:txBody>
+                    <a:bodyPr/>
+                    <a:lstStyle/>
+                    <a:p>
+                      <a:pPr algn="ctr"/>
+                      <a:r>
+                        <a:rPr lang="es-MX" dirty="0" smtClean="0"/>
+                        <a:t>025644</a:t>
+                      </a:r>
+                      <a:endParaRPr lang="es-MX" dirty="0"/>
+                    </a:p>
+                  </a:txBody>
+                  <a:tcPr/>
+                </a:tc>
+                <a:tc>
+                  <a:txBody>
+                    <a:bodyPr/>
+                    <a:lstStyle/>
+                    <a:p>
+                      <a:pPr algn="ctr"/>
+                      <a:r>
+                        <a:rPr lang="es-MX" dirty="0" smtClean="0"/>
+                        <a:t>2</a:t>
+                      </a:r>
+                      <a:endParaRPr lang="es-MX" dirty="0"/>
+                    </a:p>
+                  </a:txBody>
+                  <a:tcPr/>
+                </a:tc>
+                <a:tc>
+                  <a:txBody>
+                    <a:bodyPr/>
+                    <a:lstStyle/>
+                    <a:p>
+                      <a:pPr algn="ctr"/>
+                      <a:r>
+                        <a:rPr lang="es-MX" dirty="0" err="1" smtClean="0"/>
+                        <a:t>Interscope</a:t>
+                      </a:r>
+                      <a:endParaRPr lang="es-MX" dirty="0"/>
+                    </a:p>
+                  </a:txBody>
+                  <a:tcPr/>
+                </a:tc>
+                <a:extLst>
+                  <a:ext uri="{0D108BD9-81ED-4DB2-BD59-A6C34878D82A}">
+                    <a16:rowId xmlns:a16="http://schemas.microsoft.com/office/drawing/2014/main" val="3652563023"/>
+                  </a:ext>
+                </a:extLst>
+              </a:tr>
+              <a:tr h="370840">
+                <a:tc>
+                  <a:txBody>
+                    <a:bodyPr/>
+                    <a:lstStyle/>
+                    <a:p>
+                      <a:pPr algn="ctr"/>
+                      <a:r>
+                        <a:rPr lang="es-MX" dirty="0" err="1" smtClean="0"/>
+                        <a:t>Cardi</a:t>
+                      </a:r>
+                      <a:r>
+                        <a:rPr lang="es-MX" dirty="0" smtClean="0"/>
+                        <a:t> B</a:t>
+                      </a:r>
+                      <a:endParaRPr lang="es-MX" dirty="0"/>
+                    </a:p>
+                  </a:txBody>
+                  <a:tcPr/>
+                </a:tc>
+                <a:tc>
+                  <a:txBody>
+                    <a:bodyPr/>
+                    <a:lstStyle/>
+                    <a:p>
+                      <a:pPr algn="ctr"/>
+                      <a:r>
+                        <a:rPr lang="es-MX" dirty="0" smtClean="0"/>
+                        <a:t>023245</a:t>
+                      </a:r>
+                      <a:endParaRPr lang="es-MX" dirty="0"/>
+                    </a:p>
+                  </a:txBody>
+                  <a:tcPr/>
+                </a:tc>
+                <a:tc>
+                  <a:txBody>
+                    <a:bodyPr/>
+                    <a:lstStyle/>
+                    <a:p>
+                      <a:pPr algn="ctr"/>
+                      <a:r>
+                        <a:rPr lang="es-MX" dirty="0" smtClean="0"/>
+                        <a:t>3</a:t>
+                      </a:r>
+                      <a:endParaRPr lang="es-MX" dirty="0"/>
+                    </a:p>
+                  </a:txBody>
+                  <a:tcPr/>
+                </a:tc>
+                <a:tc>
+                  <a:txBody>
+                    <a:bodyPr/>
+                    <a:lstStyle/>
+                    <a:p>
+                      <a:pPr algn="ctr"/>
+                      <a:r>
+                        <a:rPr lang="es-MX" dirty="0" err="1" smtClean="0"/>
+                        <a:t>Atlantic</a:t>
+                      </a:r>
+                      <a:endParaRPr lang="es-MX" dirty="0"/>
+                    </a:p>
+                  </a:txBody>
+                  <a:tcPr/>
+                </a:tc>
+                <a:extLst>
+                  <a:ext uri="{0D108BD9-81ED-4DB2-BD59-A6C34878D82A}">
+                    <a16:rowId xmlns:a16="http://schemas.microsoft.com/office/drawing/2014/main" val="2935453317"/>
+                  </a:ext>
+                </a:extLst>
+              </a:tr>
+              <a:tr h="370840">
+                <a:tc>
+                  <a:txBody>
+                    <a:bodyPr/>
+                    <a:lstStyle/>
+                    <a:p>
+                      <a:pPr algn="ctr"/>
+                      <a:r>
+                        <a:rPr lang="es-MX" dirty="0" err="1" smtClean="0"/>
+                        <a:t>Bad</a:t>
+                      </a:r>
+                      <a:r>
+                        <a:rPr lang="es-MX" dirty="0" smtClean="0"/>
+                        <a:t> </a:t>
+                      </a:r>
+                      <a:r>
+                        <a:rPr lang="es-MX" dirty="0" err="1" smtClean="0"/>
+                        <a:t>Bunny</a:t>
+                      </a:r>
+                      <a:endParaRPr lang="es-MX" dirty="0"/>
+                    </a:p>
+                  </a:txBody>
+                  <a:tcPr/>
+                </a:tc>
+                <a:tc>
+                  <a:txBody>
+                    <a:bodyPr/>
+                    <a:lstStyle/>
+                    <a:p>
+                      <a:pPr algn="ctr"/>
+                      <a:r>
+                        <a:rPr lang="es-MX" dirty="0" smtClean="0"/>
+                        <a:t>031548</a:t>
+                      </a:r>
+                      <a:endParaRPr lang="es-MX" dirty="0"/>
+                    </a:p>
+                  </a:txBody>
+                  <a:tcPr/>
+                </a:tc>
+                <a:tc>
+                  <a:txBody>
+                    <a:bodyPr/>
+                    <a:lstStyle/>
+                    <a:p>
+                      <a:pPr algn="ctr"/>
+                      <a:r>
+                        <a:rPr lang="es-MX" dirty="0" smtClean="0"/>
+                        <a:t>3</a:t>
+                      </a:r>
+                      <a:endParaRPr lang="es-MX" dirty="0"/>
+                    </a:p>
+                  </a:txBody>
+                  <a:tcPr/>
+                </a:tc>
+                <a:tc>
+                  <a:txBody>
+                    <a:bodyPr/>
+                    <a:lstStyle/>
+                    <a:p>
+                      <a:pPr algn="ctr"/>
+                      <a:r>
+                        <a:rPr lang="es-MX" dirty="0" err="1" smtClean="0"/>
+                        <a:t>Atlantic</a:t>
+                      </a:r>
+                      <a:endParaRPr lang="es-MX" dirty="0"/>
+                    </a:p>
+                  </a:txBody>
+                  <a:tcPr/>
+                </a:tc>
+                <a:extLst>
+                  <a:ext uri="{0D108BD9-81ED-4DB2-BD59-A6C34878D82A}">
+                    <a16:rowId xmlns:a16="http://schemas.microsoft.com/office/drawing/2014/main" val="710231552"/>
+                  </a:ext>
+                </a:extLst>
+              </a:tr>
+            </a:tbl>
+          </a:graphicData>
+        </a:graphic>
+      </p:graphicFrame>
+      <p:graphicFrame>
+        <p:nvGraphicFramePr>
+          <p:cNvPr id="6" name="Tabla 5"/>
+          <p:cNvGraphicFramePr>
+            <a:graphicFrameLocks noGrp="1"/>
+          </p:cNvGraphicFramePr>
+          <p:nvPr>
+            <p:extLst>
+              <p:ext uri="{D42A27DB-BD31-4B8C-83A1-F6EECF244321}">
+                <p14:modId xmlns:p14="http://schemas.microsoft.com/office/powerpoint/2010/main" val="220138129"/>
+              </p:ext>
+            </p:extLst>
+          </p:nvPr>
+        </p:nvGraphicFramePr>
+        <p:xfrm>
+          <a:off x="1376249" y="4078837"/>
+          <a:ext cx="5158996" cy="370840"/>
+        </p:xfrm>
+        <a:graphic>
+          <a:graphicData uri="http://schemas.openxmlformats.org/drawingml/2006/table">
+            <a:tbl>
+              <a:tblPr firstRow="1" bandRow="1">
+                <a:tableStyleId>{D27102A9-8310-4765-A935-A1911B00CA55}</a:tableStyleId>
+              </a:tblPr>
+              <a:tblGrid>
+                <a:gridCol w="1289749">
+                  <a:extLst>
+                    <a:ext uri="{9D8B030D-6E8A-4147-A177-3AD203B41FA5}">
+                      <a16:colId xmlns:a16="http://schemas.microsoft.com/office/drawing/2014/main" val="1146219720"/>
+                    </a:ext>
+                  </a:extLst>
+                </a:gridCol>
+                <a:gridCol w="1289749">
+                  <a:extLst>
+                    <a:ext uri="{9D8B030D-6E8A-4147-A177-3AD203B41FA5}">
+                      <a16:colId xmlns:a16="http://schemas.microsoft.com/office/drawing/2014/main" val="2691120800"/>
+                    </a:ext>
+                  </a:extLst>
+                </a:gridCol>
+                <a:gridCol w="996295">
+                  <a:extLst>
+                    <a:ext uri="{9D8B030D-6E8A-4147-A177-3AD203B41FA5}">
+                      <a16:colId xmlns:a16="http://schemas.microsoft.com/office/drawing/2014/main" val="155931656"/>
+                    </a:ext>
+                  </a:extLst>
+                </a:gridCol>
+                <a:gridCol w="1583203">
+                  <a:extLst>
+                    <a:ext uri="{9D8B030D-6E8A-4147-A177-3AD203B41FA5}">
+                      <a16:colId xmlns:a16="http://schemas.microsoft.com/office/drawing/2014/main" val="605374318"/>
+                    </a:ext>
+                  </a:extLst>
+                </a:gridCol>
+              </a:tblGrid>
+              <a:tr h="370840">
+                <a:tc>
+                  <a:txBody>
+                    <a:bodyPr/>
+                    <a:lstStyle/>
+                    <a:p>
+                      <a:pPr algn="ctr"/>
+                      <a:r>
+                        <a:rPr lang="es-MX" dirty="0" smtClean="0"/>
+                        <a:t>León</a:t>
+                      </a:r>
+                      <a:r>
+                        <a:rPr lang="es-MX" baseline="0" dirty="0" smtClean="0"/>
+                        <a:t> UP</a:t>
+                      </a:r>
+                      <a:endParaRPr lang="es-MX" dirty="0"/>
+                    </a:p>
+                  </a:txBody>
+                  <a:tcPr/>
+                </a:tc>
+                <a:tc>
+                  <a:txBody>
+                    <a:bodyPr/>
+                    <a:lstStyle/>
+                    <a:p>
+                      <a:pPr algn="ctr"/>
+                      <a:r>
+                        <a:rPr lang="es-MX" dirty="0" smtClean="0"/>
+                        <a:t>031549</a:t>
+                      </a:r>
+                      <a:endParaRPr lang="es-MX" dirty="0"/>
+                    </a:p>
+                  </a:txBody>
+                  <a:tcPr/>
+                </a:tc>
+                <a:tc>
+                  <a:txBody>
+                    <a:bodyPr/>
+                    <a:lstStyle/>
+                    <a:p>
+                      <a:pPr algn="ctr"/>
+                      <a:endParaRPr lang="es-MX" dirty="0"/>
+                    </a:p>
+                  </a:txBody>
+                  <a:tcPr/>
+                </a:tc>
+                <a:tc>
+                  <a:txBody>
+                    <a:bodyPr/>
+                    <a:lstStyle/>
+                    <a:p>
+                      <a:pPr algn="ctr"/>
+                      <a:endParaRPr lang="es-MX" dirty="0"/>
+                    </a:p>
+                  </a:txBody>
+                  <a:tcPr/>
+                </a:tc>
+                <a:extLst>
+                  <a:ext uri="{0D108BD9-81ED-4DB2-BD59-A6C34878D82A}">
+                    <a16:rowId xmlns:a16="http://schemas.microsoft.com/office/drawing/2014/main" val="1043366678"/>
+                  </a:ext>
+                </a:extLst>
+              </a:tr>
+            </a:tbl>
+          </a:graphicData>
+        </a:graphic>
+      </p:graphicFrame>
+    </p:spTree>
+    <p:extLst>
+      <p:ext uri="{BB962C8B-B14F-4D97-AF65-F5344CB8AC3E}">
+        <p14:creationId xmlns:p14="http://schemas.microsoft.com/office/powerpoint/2010/main" val="2507754722"/>
+      </p:ext>
+    </p:extLst>
+  </p:cSld>
+  <p:clrMapOvr>
+    <a:masterClrMapping/>
+  </p:clrMapOvr>
+</p:sld>
+</file>
+
+<file path=ppt/slides/slide31.xml><?xml version="1.0" encoding="utf-8"?>
+<p:sld xmlns:a="http://schemas.openxmlformats.org/drawingml/2006/main" xmlns:r="http://schemas.openxmlformats.org/officeDocument/2006/relationships" xmlns:p="http://schemas.openxmlformats.org/presentationml/2006/main">
+  <p:cSld>
+    <p:spTree>
+      <p:nvGrpSpPr>
+        <p:cNvPr id="1" name=""/>
+        <p:cNvGrpSpPr/>
+        <p:nvPr/>
+      </p:nvGrpSpPr>
+      <p:grpSpPr>
+        <a:xfrm>
+          <a:off x="0" y="0"/>
+          <a:ext cx="0" cy="0"/>
+          <a:chOff x="0" y="0"/>
+          <a:chExt cx="0" cy="0"/>
+        </a:xfrm>
+      </p:grpSpPr>
+      <p:sp>
+        <p:nvSpPr>
+          <p:cNvPr id="2" name="Título 1"/>
+          <p:cNvSpPr>
+            <a:spLocks noGrp="1"/>
+          </p:cNvSpPr>
+          <p:nvPr>
+            <p:ph type="title"/>
+          </p:nvPr>
+        </p:nvSpPr>
+        <p:spPr/>
+        <p:txBody>
+          <a:bodyPr/>
+          <a:lstStyle/>
+          <a:p>
+            <a:r>
+              <a:rPr lang="es-MX" dirty="0" smtClean="0"/>
+              <a:t>Normalización</a:t>
+            </a:r>
+            <a:endParaRPr lang="es-MX" dirty="0"/>
+          </a:p>
+        </p:txBody>
+      </p:sp>
+      <p:sp>
+        <p:nvSpPr>
+          <p:cNvPr id="3" name="Marcador de texto 2"/>
+          <p:cNvSpPr>
+            <a:spLocks noGrp="1"/>
+          </p:cNvSpPr>
+          <p:nvPr>
+            <p:ph type="body" idx="1"/>
+          </p:nvPr>
+        </p:nvSpPr>
+        <p:spPr>
+          <a:xfrm>
+            <a:off x="814275" y="1327350"/>
             <a:ext cx="6132600" cy="2991262"/>
           </a:xfrm>
         </p:spPr>
@@ -11667,7 +11769,7 @@
             </a:pPr>
             <a:fld id="{00000000-1234-1234-1234-123412341234}" type="slidenum">
               <a:rPr lang="es-MX" smtClean="0"/>
-              <a:t>30</a:t>
+              <a:t>31</a:t>
             </a:fld>
             <a:endParaRPr lang="es-MX"/>
           </a:p>
@@ -11686,7 +11788,7 @@
 </p:sld>
 </file>
 
-<file path=ppt/slides/slide31.xml><?xml version="1.0" encoding="utf-8"?>
+<file path=ppt/slides/slide32.xml><?xml version="1.0" encoding="utf-8"?>
 <p:sld xmlns:a="http://schemas.openxmlformats.org/drawingml/2006/main" xmlns:r="http://schemas.openxmlformats.org/officeDocument/2006/relationships" xmlns:p="http://schemas.openxmlformats.org/presentationml/2006/main">
   <p:cSld>
     <p:spTree>
@@ -11752,7 +11854,7 @@
             </a:pPr>
             <a:fld id="{00000000-1234-1234-1234-123412341234}" type="slidenum">
               <a:rPr lang="es-MX" smtClean="0"/>
-              <a:t>31</a:t>
+              <a:t>32</a:t>
             </a:fld>
             <a:endParaRPr lang="es-MX"/>
           </a:p>
@@ -12174,7 +12276,7 @@
 </p:sld>
 </file>
 
-<file path=ppt/slides/slide32.xml><?xml version="1.0" encoding="utf-8"?>
+<file path=ppt/slides/slide33.xml><?xml version="1.0" encoding="utf-8"?>
 <p:sld xmlns:a="http://schemas.openxmlformats.org/drawingml/2006/main" xmlns:r="http://schemas.openxmlformats.org/officeDocument/2006/relationships" xmlns:p="http://schemas.openxmlformats.org/presentationml/2006/main">
   <p:cSld>
     <p:spTree>
@@ -12268,7 +12370,7 @@
             </a:pPr>
             <a:fld id="{00000000-1234-1234-1234-123412341234}" type="slidenum">
               <a:rPr lang="es-MX" smtClean="0"/>
-              <a:t>32</a:t>
+              <a:t>33</a:t>
             </a:fld>
             <a:endParaRPr lang="es-MX"/>
           </a:p>
@@ -12732,7 +12834,7 @@
 </p:sld>
 </file>
 
-<file path=ppt/slides/slide33.xml><?xml version="1.0" encoding="utf-8"?>
+<file path=ppt/slides/slide34.xml><?xml version="1.0" encoding="utf-8"?>
 <p:sld xmlns:a="http://schemas.openxmlformats.org/drawingml/2006/main" xmlns:r="http://schemas.openxmlformats.org/officeDocument/2006/relationships" xmlns:p="http://schemas.openxmlformats.org/presentationml/2006/main">
   <p:cSld>
     <p:spTree>
@@ -12849,7 +12951,7 @@
             </a:pPr>
             <a:fld id="{00000000-1234-1234-1234-123412341234}" type="slidenum">
               <a:rPr lang="es-MX" smtClean="0"/>
-              <a:t>33</a:t>
+              <a:t>34</a:t>
             </a:fld>
             <a:endParaRPr lang="es-MX"/>
           </a:p>
@@ -12868,7 +12970,7 @@
 </p:sld>
 </file>
 
-<file path=ppt/slides/slide34.xml><?xml version="1.0" encoding="utf-8"?>
+<file path=ppt/slides/slide35.xml><?xml version="1.0" encoding="utf-8"?>
 <p:sld xmlns:a="http://schemas.openxmlformats.org/drawingml/2006/main" xmlns:r="http://schemas.openxmlformats.org/officeDocument/2006/relationships" xmlns:p="http://schemas.openxmlformats.org/presentationml/2006/main">
   <p:cSld>
     <p:spTree>
@@ -12964,7 +13066,7 @@
             </a:pPr>
             <a:fld id="{00000000-1234-1234-1234-123412341234}" type="slidenum">
               <a:rPr lang="es-MX" smtClean="0"/>
-              <a:t>34</a:t>
+              <a:t>35</a:t>
             </a:fld>
             <a:endParaRPr lang="es-MX"/>
           </a:p>
@@ -12983,7 +13085,7 @@
 </p:sld>
 </file>
 
-<file path=ppt/slides/slide35.xml><?xml version="1.0" encoding="utf-8"?>
+<file path=ppt/slides/slide36.xml><?xml version="1.0" encoding="utf-8"?>
 <p:sld xmlns:a="http://schemas.openxmlformats.org/drawingml/2006/main" xmlns:r="http://schemas.openxmlformats.org/officeDocument/2006/relationships" xmlns:p="http://schemas.openxmlformats.org/presentationml/2006/main">
   <p:cSld>
     <p:spTree>
@@ -13049,7 +13151,7 @@
             </a:pPr>
             <a:fld id="{00000000-1234-1234-1234-123412341234}" type="slidenum">
               <a:rPr lang="es-MX" smtClean="0"/>
-              <a:t>35</a:t>
+              <a:t>36</a:t>
             </a:fld>
             <a:endParaRPr lang="es-MX"/>
           </a:p>
@@ -13730,7 +13832,7 @@
 </p:sld>
 </file>
 
-<file path=ppt/slides/slide36.xml><?xml version="1.0" encoding="utf-8"?>
+<file path=ppt/slides/slide37.xml><?xml version="1.0" encoding="utf-8"?>
 <p:sld xmlns:a="http://schemas.openxmlformats.org/drawingml/2006/main" xmlns:r="http://schemas.openxmlformats.org/officeDocument/2006/relationships" xmlns:p="http://schemas.openxmlformats.org/presentationml/2006/main">
   <p:cSld>
     <p:spTree>
@@ -13819,7 +13921,7 @@
             </a:pPr>
             <a:fld id="{00000000-1234-1234-1234-123412341234}" type="slidenum">
               <a:rPr lang="es-MX" smtClean="0"/>
-              <a:t>36</a:t>
+              <a:t>37</a:t>
             </a:fld>
             <a:endParaRPr lang="es-MX"/>
           </a:p>
@@ -13838,7 +13940,7 @@
 </p:sld>
 </file>
 
-<file path=ppt/slides/slide37.xml><?xml version="1.0" encoding="utf-8"?>
+<file path=ppt/slides/slide38.xml><?xml version="1.0" encoding="utf-8"?>
 <p:sld xmlns:a="http://schemas.openxmlformats.org/drawingml/2006/main" xmlns:r="http://schemas.openxmlformats.org/officeDocument/2006/relationships" xmlns:p="http://schemas.openxmlformats.org/presentationml/2006/main">
   <p:cSld>
     <p:spTree>
@@ -13955,7 +14057,7 @@
             </a:pPr>
             <a:fld id="{00000000-1234-1234-1234-123412341234}" type="slidenum">
               <a:rPr lang="es-MX" smtClean="0"/>
-              <a:t>37</a:t>
+              <a:t>38</a:t>
             </a:fld>
             <a:endParaRPr lang="es-MX"/>
           </a:p>
@@ -13974,7 +14076,7 @@
 </p:sld>
 </file>
 
-<file path=ppt/slides/slide38.xml><?xml version="1.0" encoding="utf-8"?>
+<file path=ppt/slides/slide39.xml><?xml version="1.0" encoding="utf-8"?>
 <p:sld xmlns:a="http://schemas.openxmlformats.org/drawingml/2006/main" xmlns:r="http://schemas.openxmlformats.org/officeDocument/2006/relationships" xmlns:p="http://schemas.openxmlformats.org/presentationml/2006/main">
   <p:cSld>
     <p:spTree>
@@ -14084,7 +14186,7 @@
             </a:pPr>
             <a:fld id="{00000000-1234-1234-1234-123412341234}" type="slidenum">
               <a:rPr lang="es-MX" smtClean="0"/>
-              <a:t>38</a:t>
+              <a:t>39</a:t>
             </a:fld>
             <a:endParaRPr lang="es-MX"/>
           </a:p>
@@ -14100,227 +14202,6 @@
   <p:clrMapOvr>
     <a:masterClrMapping/>
   </p:clrMapOvr>
-</p:sld>
-</file>
-
-<file path=ppt/slides/slide39.xml><?xml version="1.0" encoding="utf-8"?>
-<p:sld xmlns:a="http://schemas.openxmlformats.org/drawingml/2006/main" xmlns:r="http://schemas.openxmlformats.org/officeDocument/2006/relationships" xmlns:p="http://schemas.openxmlformats.org/presentationml/2006/main">
-  <p:cSld>
-    <p:spTree>
-      <p:nvGrpSpPr>
-        <p:cNvPr id="1" name="Shape 220"/>
-        <p:cNvGrpSpPr/>
-        <p:nvPr/>
-      </p:nvGrpSpPr>
-      <p:grpSpPr>
-        <a:xfrm>
-          <a:off x="0" y="0"/>
-          <a:ext cx="0" cy="0"/>
-          <a:chOff x="0" y="0"/>
-          <a:chExt cx="0" cy="0"/>
-        </a:xfrm>
-      </p:grpSpPr>
-      <p:sp>
-        <p:nvSpPr>
-          <p:cNvPr id="221" name="Google Shape;221;p14"/>
-          <p:cNvSpPr txBox="1">
-            <a:spLocks noGrp="1"/>
-          </p:cNvSpPr>
-          <p:nvPr>
-            <p:ph type="ctrTitle"/>
-          </p:nvPr>
-        </p:nvSpPr>
-        <p:spPr>
-          <a:xfrm>
-            <a:off x="463525" y="2871148"/>
-            <a:ext cx="4094400" cy="1159800"/>
-          </a:xfrm>
-          <a:prstGeom prst="rect">
-            <a:avLst/>
-          </a:prstGeom>
-        </p:spPr>
-        <p:txBody>
-          <a:bodyPr spcFirstLastPara="1" wrap="square" lIns="91425" tIns="91425" rIns="91425" bIns="91425" anchor="b" anchorCtr="0">
-            <a:noAutofit/>
-          </a:bodyPr>
-          <a:lstStyle/>
-          <a:p>
-            <a:pPr marL="0" lvl="0" indent="0" rtl="0">
-              <a:spcBef>
-                <a:spcPts val="0"/>
-              </a:spcBef>
-              <a:spcAft>
-                <a:spcPts val="0"/>
-              </a:spcAft>
-              <a:buNone/>
-            </a:pPr>
-            <a:r>
-              <a:rPr lang="es-MX" dirty="0" smtClean="0"/>
-              <a:t>Tarea</a:t>
-            </a:r>
-            <a:endParaRPr lang="es-MX" dirty="0"/>
-          </a:p>
-        </p:txBody>
-      </p:sp>
-      <p:sp>
-        <p:nvSpPr>
-          <p:cNvPr id="222" name="Google Shape;222;p14"/>
-          <p:cNvSpPr txBox="1">
-            <a:spLocks noGrp="1"/>
-          </p:cNvSpPr>
-          <p:nvPr>
-            <p:ph type="subTitle" idx="1"/>
-          </p:nvPr>
-        </p:nvSpPr>
-        <p:spPr>
-          <a:xfrm>
-            <a:off x="463525" y="3975449"/>
-            <a:ext cx="4094400" cy="784800"/>
-          </a:xfrm>
-          <a:prstGeom prst="rect">
-            <a:avLst/>
-          </a:prstGeom>
-        </p:spPr>
-        <p:txBody>
-          <a:bodyPr spcFirstLastPara="1" wrap="square" lIns="91425" tIns="91425" rIns="91425" bIns="91425" anchor="t" anchorCtr="0">
-            <a:noAutofit/>
-          </a:bodyPr>
-          <a:lstStyle/>
-          <a:p>
-            <a:pPr marL="0" lvl="0" indent="0" rtl="0">
-              <a:spcBef>
-                <a:spcPts val="0"/>
-              </a:spcBef>
-              <a:spcAft>
-                <a:spcPts val="1000"/>
-              </a:spcAft>
-              <a:buNone/>
-            </a:pPr>
-            <a:r>
-              <a:rPr lang="es-MX" dirty="0" smtClean="0"/>
-              <a:t>Hay que trabajar en casa!</a:t>
-            </a:r>
-            <a:endParaRPr lang="es-MX" dirty="0"/>
-          </a:p>
-        </p:txBody>
-      </p:sp>
-      <p:sp>
-        <p:nvSpPr>
-          <p:cNvPr id="223" name="Google Shape;223;p14"/>
-          <p:cNvSpPr txBox="1">
-            <a:spLocks noGrp="1"/>
-          </p:cNvSpPr>
-          <p:nvPr>
-            <p:ph type="sldNum" idx="12"/>
-          </p:nvPr>
-        </p:nvSpPr>
-        <p:spPr>
-          <a:xfrm>
-            <a:off x="7618000" y="4636500"/>
-            <a:ext cx="1487400" cy="315600"/>
-          </a:xfrm>
-          <a:prstGeom prst="rect">
-            <a:avLst/>
-          </a:prstGeom>
-        </p:spPr>
-        <p:txBody>
-          <a:bodyPr spcFirstLastPara="1" wrap="square" lIns="91425" tIns="91425" rIns="91425" bIns="91425" anchor="ctr" anchorCtr="0">
-            <a:noAutofit/>
-          </a:bodyPr>
-          <a:lstStyle/>
-          <a:p>
-            <a:pPr marL="0" lvl="0" indent="0">
-              <a:spcBef>
-                <a:spcPts val="0"/>
-              </a:spcBef>
-              <a:spcAft>
-                <a:spcPts val="0"/>
-              </a:spcAft>
-              <a:buNone/>
-            </a:pPr>
-            <a:fld id="{00000000-1234-1234-1234-123412341234}" type="slidenum">
-              <a:rPr lang="en"/>
-              <a:t>39</a:t>
-            </a:fld>
-            <a:endParaRPr/>
-          </a:p>
-        </p:txBody>
-      </p:sp>
-      <p:sp>
-        <p:nvSpPr>
-          <p:cNvPr id="224" name="Google Shape;224;p14"/>
-          <p:cNvSpPr txBox="1"/>
-          <p:nvPr/>
-        </p:nvSpPr>
-        <p:spPr>
-          <a:xfrm>
-            <a:off x="463525" y="0"/>
-            <a:ext cx="2181600" cy="3136200"/>
-          </a:xfrm>
-          <a:prstGeom prst="rect">
-            <a:avLst/>
-          </a:prstGeom>
-          <a:noFill/>
-          <a:ln>
-            <a:noFill/>
-          </a:ln>
-        </p:spPr>
-        <p:txBody>
-          <a:bodyPr spcFirstLastPara="1" wrap="square" lIns="91425" tIns="91425" rIns="91425" bIns="91425" anchor="b" anchorCtr="0">
-            <a:noAutofit/>
-          </a:bodyPr>
-          <a:lstStyle/>
-          <a:p>
-            <a:pPr marL="0" lvl="0" indent="0">
-              <a:spcBef>
-                <a:spcPts val="0"/>
-              </a:spcBef>
-              <a:spcAft>
-                <a:spcPts val="0"/>
-              </a:spcAft>
-              <a:buNone/>
-            </a:pPr>
-            <a:r>
-              <a:rPr lang="en" sz="12000" b="1" dirty="0">
-                <a:solidFill>
-                  <a:srgbClr val="3F5378"/>
-                </a:solidFill>
-                <a:latin typeface="Roboto Condensed"/>
-                <a:ea typeface="Roboto Condensed"/>
-                <a:cs typeface="Roboto Condensed"/>
-                <a:sym typeface="Roboto Condensed"/>
-              </a:rPr>
-              <a:t>3</a:t>
-            </a:r>
-            <a:endParaRPr sz="3000" b="1" dirty="0">
-              <a:solidFill>
-                <a:srgbClr val="3F5378"/>
-              </a:solidFill>
-              <a:latin typeface="Roboto Condensed"/>
-              <a:ea typeface="Roboto Condensed"/>
-              <a:cs typeface="Roboto Condensed"/>
-              <a:sym typeface="Roboto Condensed"/>
-            </a:endParaRPr>
-          </a:p>
-        </p:txBody>
-      </p:sp>
-    </p:spTree>
-    <p:extLst>
-      <p:ext uri="{BB962C8B-B14F-4D97-AF65-F5344CB8AC3E}">
-        <p14:creationId xmlns:p14="http://schemas.microsoft.com/office/powerpoint/2010/main" val="2471357222"/>
-      </p:ext>
-    </p:extLst>
-  </p:cSld>
-  <p:clrMapOvr>
-    <a:masterClrMapping/>
-  </p:clrMapOvr>
-  <p:timing>
-    <p:tnLst>
-      <p:par>
-        <p:cTn id="1" dur="indefinite" restart="never" nodeType="tmRoot"/>
-      </p:par>
-    </p:tnLst>
-  </p:timing>
 </p:sld>
 </file>
 
@@ -14455,6 +14336,227 @@
   <p:cSld>
     <p:spTree>
       <p:nvGrpSpPr>
+        <p:cNvPr id="1" name="Shape 220"/>
+        <p:cNvGrpSpPr/>
+        <p:nvPr/>
+      </p:nvGrpSpPr>
+      <p:grpSpPr>
+        <a:xfrm>
+          <a:off x="0" y="0"/>
+          <a:ext cx="0" cy="0"/>
+          <a:chOff x="0" y="0"/>
+          <a:chExt cx="0" cy="0"/>
+        </a:xfrm>
+      </p:grpSpPr>
+      <p:sp>
+        <p:nvSpPr>
+          <p:cNvPr id="221" name="Google Shape;221;p14"/>
+          <p:cNvSpPr txBox="1">
+            <a:spLocks noGrp="1"/>
+          </p:cNvSpPr>
+          <p:nvPr>
+            <p:ph type="ctrTitle"/>
+          </p:nvPr>
+        </p:nvSpPr>
+        <p:spPr>
+          <a:xfrm>
+            <a:off x="463525" y="2871148"/>
+            <a:ext cx="4094400" cy="1159800"/>
+          </a:xfrm>
+          <a:prstGeom prst="rect">
+            <a:avLst/>
+          </a:prstGeom>
+        </p:spPr>
+        <p:txBody>
+          <a:bodyPr spcFirstLastPara="1" wrap="square" lIns="91425" tIns="91425" rIns="91425" bIns="91425" anchor="b" anchorCtr="0">
+            <a:noAutofit/>
+          </a:bodyPr>
+          <a:lstStyle/>
+          <a:p>
+            <a:pPr marL="0" lvl="0" indent="0" rtl="0">
+              <a:spcBef>
+                <a:spcPts val="0"/>
+              </a:spcBef>
+              <a:spcAft>
+                <a:spcPts val="0"/>
+              </a:spcAft>
+              <a:buNone/>
+            </a:pPr>
+            <a:r>
+              <a:rPr lang="es-MX" dirty="0" smtClean="0"/>
+              <a:t>Tarea</a:t>
+            </a:r>
+            <a:endParaRPr lang="es-MX" dirty="0"/>
+          </a:p>
+        </p:txBody>
+      </p:sp>
+      <p:sp>
+        <p:nvSpPr>
+          <p:cNvPr id="222" name="Google Shape;222;p14"/>
+          <p:cNvSpPr txBox="1">
+            <a:spLocks noGrp="1"/>
+          </p:cNvSpPr>
+          <p:nvPr>
+            <p:ph type="subTitle" idx="1"/>
+          </p:nvPr>
+        </p:nvSpPr>
+        <p:spPr>
+          <a:xfrm>
+            <a:off x="463525" y="3975449"/>
+            <a:ext cx="4094400" cy="784800"/>
+          </a:xfrm>
+          <a:prstGeom prst="rect">
+            <a:avLst/>
+          </a:prstGeom>
+        </p:spPr>
+        <p:txBody>
+          <a:bodyPr spcFirstLastPara="1" wrap="square" lIns="91425" tIns="91425" rIns="91425" bIns="91425" anchor="t" anchorCtr="0">
+            <a:noAutofit/>
+          </a:bodyPr>
+          <a:lstStyle/>
+          <a:p>
+            <a:pPr marL="0" lvl="0" indent="0" rtl="0">
+              <a:spcBef>
+                <a:spcPts val="0"/>
+              </a:spcBef>
+              <a:spcAft>
+                <a:spcPts val="1000"/>
+              </a:spcAft>
+              <a:buNone/>
+            </a:pPr>
+            <a:r>
+              <a:rPr lang="es-MX" dirty="0" smtClean="0"/>
+              <a:t>Hay que trabajar en casa!</a:t>
+            </a:r>
+            <a:endParaRPr lang="es-MX" dirty="0"/>
+          </a:p>
+        </p:txBody>
+      </p:sp>
+      <p:sp>
+        <p:nvSpPr>
+          <p:cNvPr id="223" name="Google Shape;223;p14"/>
+          <p:cNvSpPr txBox="1">
+            <a:spLocks noGrp="1"/>
+          </p:cNvSpPr>
+          <p:nvPr>
+            <p:ph type="sldNum" idx="12"/>
+          </p:nvPr>
+        </p:nvSpPr>
+        <p:spPr>
+          <a:xfrm>
+            <a:off x="7618000" y="4636500"/>
+            <a:ext cx="1487400" cy="315600"/>
+          </a:xfrm>
+          <a:prstGeom prst="rect">
+            <a:avLst/>
+          </a:prstGeom>
+        </p:spPr>
+        <p:txBody>
+          <a:bodyPr spcFirstLastPara="1" wrap="square" lIns="91425" tIns="91425" rIns="91425" bIns="91425" anchor="ctr" anchorCtr="0">
+            <a:noAutofit/>
+          </a:bodyPr>
+          <a:lstStyle/>
+          <a:p>
+            <a:pPr marL="0" lvl="0" indent="0">
+              <a:spcBef>
+                <a:spcPts val="0"/>
+              </a:spcBef>
+              <a:spcAft>
+                <a:spcPts val="0"/>
+              </a:spcAft>
+              <a:buNone/>
+            </a:pPr>
+            <a:fld id="{00000000-1234-1234-1234-123412341234}" type="slidenum">
+              <a:rPr lang="en"/>
+              <a:t>40</a:t>
+            </a:fld>
+            <a:endParaRPr/>
+          </a:p>
+        </p:txBody>
+      </p:sp>
+      <p:sp>
+        <p:nvSpPr>
+          <p:cNvPr id="224" name="Google Shape;224;p14"/>
+          <p:cNvSpPr txBox="1"/>
+          <p:nvPr/>
+        </p:nvSpPr>
+        <p:spPr>
+          <a:xfrm>
+            <a:off x="463525" y="0"/>
+            <a:ext cx="2181600" cy="3136200"/>
+          </a:xfrm>
+          <a:prstGeom prst="rect">
+            <a:avLst/>
+          </a:prstGeom>
+          <a:noFill/>
+          <a:ln>
+            <a:noFill/>
+          </a:ln>
+        </p:spPr>
+        <p:txBody>
+          <a:bodyPr spcFirstLastPara="1" wrap="square" lIns="91425" tIns="91425" rIns="91425" bIns="91425" anchor="b" anchorCtr="0">
+            <a:noAutofit/>
+          </a:bodyPr>
+          <a:lstStyle/>
+          <a:p>
+            <a:pPr marL="0" lvl="0" indent="0">
+              <a:spcBef>
+                <a:spcPts val="0"/>
+              </a:spcBef>
+              <a:spcAft>
+                <a:spcPts val="0"/>
+              </a:spcAft>
+              <a:buNone/>
+            </a:pPr>
+            <a:r>
+              <a:rPr lang="en" sz="12000" b="1" dirty="0">
+                <a:solidFill>
+                  <a:srgbClr val="3F5378"/>
+                </a:solidFill>
+                <a:latin typeface="Roboto Condensed"/>
+                <a:ea typeface="Roboto Condensed"/>
+                <a:cs typeface="Roboto Condensed"/>
+                <a:sym typeface="Roboto Condensed"/>
+              </a:rPr>
+              <a:t>3</a:t>
+            </a:r>
+            <a:endParaRPr sz="3000" b="1" dirty="0">
+              <a:solidFill>
+                <a:srgbClr val="3F5378"/>
+              </a:solidFill>
+              <a:latin typeface="Roboto Condensed"/>
+              <a:ea typeface="Roboto Condensed"/>
+              <a:cs typeface="Roboto Condensed"/>
+              <a:sym typeface="Roboto Condensed"/>
+            </a:endParaRPr>
+          </a:p>
+        </p:txBody>
+      </p:sp>
+    </p:spTree>
+    <p:extLst>
+      <p:ext uri="{BB962C8B-B14F-4D97-AF65-F5344CB8AC3E}">
+        <p14:creationId xmlns:p14="http://schemas.microsoft.com/office/powerpoint/2010/main" val="2471357222"/>
+      </p:ext>
+    </p:extLst>
+  </p:cSld>
+  <p:clrMapOvr>
+    <a:masterClrMapping/>
+  </p:clrMapOvr>
+  <p:timing>
+    <p:tnLst>
+      <p:par>
+        <p:cTn id="1" dur="indefinite" restart="never" nodeType="tmRoot"/>
+      </p:par>
+    </p:tnLst>
+  </p:timing>
+</p:sld>
+</file>
+
+<file path=ppt/slides/slide41.xml><?xml version="1.0" encoding="utf-8"?>
+<p:sld xmlns:a="http://schemas.openxmlformats.org/drawingml/2006/main" xmlns:r="http://schemas.openxmlformats.org/officeDocument/2006/relationships" xmlns:p="http://schemas.openxmlformats.org/presentationml/2006/main">
+  <p:cSld>
+    <p:spTree>
+      <p:nvGrpSpPr>
         <p:cNvPr id="1" name=""/>
         <p:cNvGrpSpPr/>
         <p:nvPr/>
@@ -14493,7 +14595,7 @@
             </a:pPr>
             <a:fld id="{00000000-1234-1234-1234-123412341234}" type="slidenum">
               <a:rPr lang="es-MX" smtClean="0"/>
-              <a:t>40</a:t>
+              <a:t>41</a:t>
             </a:fld>
             <a:endParaRPr lang="es-MX"/>
           </a:p>
@@ -14553,7 +14655,7 @@
 </p:sld>
 </file>
 
-<file path=ppt/slides/slide41.xml><?xml version="1.0" encoding="utf-8"?>
+<file path=ppt/slides/slide42.xml><?xml version="1.0" encoding="utf-8"?>
 <p:sld xmlns:a="http://schemas.openxmlformats.org/drawingml/2006/main" xmlns:r="http://schemas.openxmlformats.org/officeDocument/2006/relationships" xmlns:p="http://schemas.openxmlformats.org/presentationml/2006/main">
   <p:cSld>
     <p:spTree>
@@ -14675,7 +14777,7 @@
             </a:pPr>
             <a:fld id="{00000000-1234-1234-1234-123412341234}" type="slidenum">
               <a:rPr lang="es-MX" smtClean="0"/>
-              <a:t>41</a:t>
+              <a:t>42</a:t>
             </a:fld>
             <a:endParaRPr lang="es-MX"/>
           </a:p>
@@ -14694,7 +14796,7 @@
 </p:sld>
 </file>
 
-<file path=ppt/slides/slide42.xml><?xml version="1.0" encoding="utf-8"?>
+<file path=ppt/slides/slide43.xml><?xml version="1.0" encoding="utf-8"?>
 <p:sld xmlns:a="http://schemas.openxmlformats.org/drawingml/2006/main" xmlns:r="http://schemas.openxmlformats.org/officeDocument/2006/relationships" xmlns:p="http://schemas.openxmlformats.org/presentationml/2006/main">
   <p:cSld>
     <p:spTree>
@@ -14737,7 +14839,7 @@
             </a:pPr>
             <a:fld id="{00000000-1234-1234-1234-123412341234}" type="slidenum">
               <a:rPr lang="es-MX" smtClean="0"/>
-              <a:t>42</a:t>
+              <a:t>43</a:t>
             </a:fld>
             <a:endParaRPr lang="es-MX"/>
           </a:p>
@@ -14797,7 +14899,7 @@
 </p:sld>
 </file>
 
-<file path=ppt/slides/slide43.xml><?xml version="1.0" encoding="utf-8"?>
+<file path=ppt/slides/slide44.xml><?xml version="1.0" encoding="utf-8"?>
 <p:sld xmlns:a="http://schemas.openxmlformats.org/drawingml/2006/main" xmlns:r="http://schemas.openxmlformats.org/officeDocument/2006/relationships" xmlns:p="http://schemas.openxmlformats.org/presentationml/2006/main">
   <p:cSld>
     <p:spTree>
@@ -14878,7 +14980,7 @@
             </a:pPr>
             <a:fld id="{00000000-1234-1234-1234-123412341234}" type="slidenum">
               <a:rPr lang="es-MX" smtClean="0"/>
-              <a:t>43</a:t>
+              <a:t>44</a:t>
             </a:fld>
             <a:endParaRPr lang="es-MX"/>
           </a:p>
